--- a/source/도커심화_한권으로_배우는_도커_&_쿠버네티스/ch12_쿠버네티스모니터링.pptx
+++ b/source/도커심화_한권으로_배우는_도커_&_쿠버네티스/ch12_쿠버네티스모니터링.pptx
@@ -5,12 +5,26 @@
     <p:sldMasterId id="2147483648" r:id="rId1"/>
   </p:sldMasterIdLst>
   <p:notesMasterIdLst>
-    <p:notesMasterId r:id="rId5"/>
+    <p:notesMasterId r:id="rId19"/>
   </p:notesMasterIdLst>
   <p:sldIdLst>
     <p:sldId id="256" r:id="rId2"/>
     <p:sldId id="265" r:id="rId3"/>
     <p:sldId id="257" r:id="rId4"/>
+    <p:sldId id="266" r:id="rId5"/>
+    <p:sldId id="267" r:id="rId6"/>
+    <p:sldId id="268" r:id="rId7"/>
+    <p:sldId id="269" r:id="rId8"/>
+    <p:sldId id="271" r:id="rId9"/>
+    <p:sldId id="272" r:id="rId10"/>
+    <p:sldId id="273" r:id="rId11"/>
+    <p:sldId id="274" r:id="rId12"/>
+    <p:sldId id="275" r:id="rId13"/>
+    <p:sldId id="276" r:id="rId14"/>
+    <p:sldId id="270" r:id="rId15"/>
+    <p:sldId id="277" r:id="rId16"/>
+    <p:sldId id="278" r:id="rId17"/>
+    <p:sldId id="279" r:id="rId18"/>
   </p:sldIdLst>
   <p:sldSz cx="12192000" cy="6858000"/>
   <p:notesSz cx="6858000" cy="9144000"/>
@@ -128,6 +142,105 @@
 </p:presentation>
 </file>
 
+<file path=ppt/ink/ink1.xml><?xml version="1.0" encoding="utf-8"?>
+<inkml:ink xmlns:inkml="http://www.w3.org/2003/InkML">
+  <inkml:definitions>
+    <inkml:context xml:id="ctx0">
+      <inkml:inkSource xml:id="inkSrc0">
+        <inkml:traceFormat>
+          <inkml:channel name="X" type="integer" max="65535" units="cm"/>
+          <inkml:channel name="Y" type="integer" max="65535" units="cm"/>
+          <inkml:channel name="F" type="integer" max="1024" units="dev"/>
+          <inkml:channel name="T" type="integer" max="2.14748E9" units="dev"/>
+        </inkml:traceFormat>
+        <inkml:channelProperties>
+          <inkml:channelProperty channel="X" name="resolution" value="936.21429" units="1/cm"/>
+          <inkml:channelProperty channel="Y" name="resolution" value="1680.38464" units="1/cm"/>
+          <inkml:channelProperty channel="F" name="resolution" value="0" units="1/dev"/>
+          <inkml:channelProperty channel="T" name="resolution" value="1" units="1/dev"/>
+        </inkml:channelProperties>
+      </inkml:inkSource>
+      <inkml:timestamp xml:id="ts0" timeString="2024-11-29T20:05:08.352"/>
+    </inkml:context>
+    <inkml:brush xml:id="br0">
+      <inkml:brushProperty name="width" value="0.23333" units="cm"/>
+      <inkml:brushProperty name="height" value="0.46667" units="cm"/>
+      <inkml:brushProperty name="color" value="#FFFF00"/>
+      <inkml:brushProperty name="tip" value="rectangle"/>
+      <inkml:brushProperty name="rasterOp" value="maskPen"/>
+      <inkml:brushProperty name="fitToCurve" value="1"/>
+    </inkml:brush>
+  </inkml:definitions>
+  <inkml:trace contextRef="#ctx0" brushRef="#br0">-6 245 51 0,'-21'0'3'0,"21"0"17"16,0 0-6-1,21 0 29 1,22-39-14 15,44 18 6-15,21 3-4-1,1-2-17 1,-23 20-3 0,21-19 7-1,24 19-2 1,43-40-3-1,20 22 3 1,1 18-6 0,21 0-4-1,23 18-2 1,20 2 2 15,46-20 3-15,40-20 6-1,45 2-2 1,-23-2-9 0,1 20-5-1,22 20 4 1,22-2-4 0,21-18 6-1,0-18 8 1,21-41-3-1,-42 59-9 1,-2 39 0 0,24-39 1-1,-1 0 1 1,0-59 9 15,22 59 4-15,-44 0-4-1,0 20-6 1,44-20 1 0,-22 0-2-1,-1-20-5 1,1 20 10 0,-22 0-2-1,0 20-5 1,1 19 2-1,-1-19 0 17,-21-2-4-32,43 2 2 15,-21 0 1 1,22-20 0 15,19 0 4-15,2-20-1-1,-22 40-5 1,0 19 0 0,-1 0 0-1,-64 0-2 1,-43-20 2 0,-44 1-2-1,-21 19 2 1,-65-20 0-1,0 1 6 1,0-20 1 0,20-20 4-1,3 1-2 1,84-1-7 15,-64 20-3-15,-42-19 0-1,-2 19-6 1,-64 0 12 0,-1 0-5-1,3 0-1 1,-46 0 1 0,-64 0-2-1,-1 0 0 1,-21 0 2-1,0 0-2 1,0 0-5 0,21 0 3-1,-21 0 2 17,0 0 1-17,0 0-1 1,0 0-9-1,23 0 2 1,-2 0 7 0,-21 19-3-1,0-19 3 1,0 0 0 0,22 0-1-1,-2 0 2 1,25 0-1-1,-24 20 3 1,22-20-1 0,66 0 3-1,20 0-3 17,22-20 0-17,-41 20-4 1,-25-19 3-1,-40 19 2 1,-25 0-1 0,-20 0-3-1,0 0 1 1,0 0-3 0,-20 0-14-1,-1 0-17 1,21 0-79-1,0 0-146 1,0-39 104 0</inkml:trace>
+</inkml:ink>
+</file>
+
+<file path=ppt/ink/ink2.xml><?xml version="1.0" encoding="utf-8"?>
+<inkml:ink xmlns:inkml="http://www.w3.org/2003/InkML">
+  <inkml:definitions>
+    <inkml:context xml:id="ctx0">
+      <inkml:inkSource xml:id="inkSrc0">
+        <inkml:traceFormat>
+          <inkml:channel name="X" type="integer" max="65535" units="cm"/>
+          <inkml:channel name="Y" type="integer" max="65535" units="cm"/>
+          <inkml:channel name="F" type="integer" max="1024" units="dev"/>
+          <inkml:channel name="T" type="integer" max="2.14748E9" units="dev"/>
+        </inkml:traceFormat>
+        <inkml:channelProperties>
+          <inkml:channelProperty channel="X" name="resolution" value="936.21429" units="1/cm"/>
+          <inkml:channelProperty channel="Y" name="resolution" value="1680.38464" units="1/cm"/>
+          <inkml:channelProperty channel="F" name="resolution" value="0" units="1/dev"/>
+          <inkml:channelProperty channel="T" name="resolution" value="1" units="1/dev"/>
+        </inkml:channelProperties>
+      </inkml:inkSource>
+      <inkml:timestamp xml:id="ts0" timeString="2024-11-29T20:05:18.441"/>
+    </inkml:context>
+    <inkml:brush xml:id="br0">
+      <inkml:brushProperty name="width" value="0.23333" units="cm"/>
+      <inkml:brushProperty name="height" value="0.46667" units="cm"/>
+      <inkml:brushProperty name="color" value="#FFFF00"/>
+      <inkml:brushProperty name="tip" value="rectangle"/>
+      <inkml:brushProperty name="rasterOp" value="maskPen"/>
+      <inkml:brushProperty name="fitToCurve" value="1"/>
+    </inkml:brush>
+  </inkml:definitions>
+  <inkml:trace contextRef="#ctx0" brushRef="#br0">-1 3 40 0,'-22'0'1'16,"22"0"1"-1,0 0-2 1,0 0 0 15,22 0 36-31,-2 19-8 16,46 1-8 15,21-1 4-15,43-19 7-1,-22-19 12 1,23 19-9-1,19 0-20 1,2 0-7 0,22 0-4-1,20 0-2 1,1 0 1 0,-22 19 1-1,44 1 1 1,-22 18 0-1,21-38-4 1,-1 20-1 0,3 0 2 15,41-20 1-15,2 0 1-1,-1 0-3 1,-24 0-2-1,25-20 5 1,-23 20-3 0,22 0 0-1,-45 0-2 1,3 0-1 0,-2 0-3-1,-43 0 7 1,21 20 2-1,3-20-3 17,40 0-1-17,-64 0 0 1,-21 0 0 0,-1 0 1-1,-21 0 0 1,1 19 1-1,-23-19-1 1,-22 0 0 0,0-19 2-1,1 19 1 1,-44 0 0 0,-22 0 5-1,23 0-2 16,-44 0 2-31,0 0-8 16,0 0 0 15,0 0 95-15,0 0-105 0,-22 0-49-1,22-20-97 1,0 20-38-1</inkml:trace>
+</inkml:ink>
+</file>
+
+<file path=ppt/ink/ink3.xml><?xml version="1.0" encoding="utf-8"?>
+<inkml:ink xmlns:inkml="http://www.w3.org/2003/InkML">
+  <inkml:definitions>
+    <inkml:context xml:id="ctx0">
+      <inkml:inkSource xml:id="inkSrc0">
+        <inkml:traceFormat>
+          <inkml:channel name="X" type="integer" max="65535" units="cm"/>
+          <inkml:channel name="Y" type="integer" max="65535" units="cm"/>
+          <inkml:channel name="F" type="integer" max="1024" units="dev"/>
+          <inkml:channel name="T" type="integer" max="2.14748E9" units="dev"/>
+        </inkml:traceFormat>
+        <inkml:channelProperties>
+          <inkml:channelProperty channel="X" name="resolution" value="936.21429" units="1/cm"/>
+          <inkml:channelProperty channel="Y" name="resolution" value="1680.38464" units="1/cm"/>
+          <inkml:channelProperty channel="F" name="resolution" value="0" units="1/dev"/>
+          <inkml:channelProperty channel="T" name="resolution" value="1" units="1/dev"/>
+        </inkml:channelProperties>
+      </inkml:inkSource>
+      <inkml:timestamp xml:id="ts0" timeString="2024-11-29T20:05:24.588"/>
+    </inkml:context>
+    <inkml:brush xml:id="br0">
+      <inkml:brushProperty name="width" value="0.23333" units="cm"/>
+      <inkml:brushProperty name="height" value="0.46667" units="cm"/>
+      <inkml:brushProperty name="color" value="#FFFF00"/>
+      <inkml:brushProperty name="tip" value="rectangle"/>
+      <inkml:brushProperty name="rasterOp" value="maskPen"/>
+      <inkml:brushProperty name="fitToCurve" value="1"/>
+    </inkml:brush>
+  </inkml:definitions>
+  <inkml:trace contextRef="#ctx0" brushRef="#br0">1 112 43 0,'0'0'2'15,"0"0"-2"1,22 0 3 0,43-18 0-1,0 18 5 1,21-20 5-1,2 20-3 1,41-20-1 0,0 20 1-1,24-38-1 1,-2 38 0 15,22-19 1-31,22 38-8 31,0-19 1-31,21 38-3 32,23-38 0-17,-44 0 5 1,21-38 5 0,-22 38-5-1,1 38-4 1,-21-38 0-1,-23 20 0 1,-21-20-2 0,0 0 2-1,-44 20 0 1,-21-20 1 0,-1 0-1-1,-20 0-1 1,0 0-1 15,-22 0 0-15,-22 0 7-1,0 0-6 1,0 0 0 0,0 0 0-1,0 0 0 1,0 0 0-1,0 0 60 1,0 0-56 0,0-20-1-1,-22 20-2 1,22-20-3 0,0 20-10 15,0 0 12-16,0 0 0 1,0 0 0 0,0 0 0-1,0 0 0 1,0 0 0 0,0 0 0-1,0 0-110 1,22 20 57-1,21 0 0 1</inkml:trace>
+</inkml:ink>
+</file>
+
 <file path=ppt/notesMasters/notesMaster1.xml><?xml version="1.0" encoding="utf-8"?>
 <p:notesMaster xmlns:a="http://schemas.openxmlformats.org/drawingml/2006/main" xmlns:r="http://schemas.openxmlformats.org/officeDocument/2006/relationships" xmlns:p="http://schemas.openxmlformats.org/presentationml/2006/main">
   <p:cSld>
@@ -210,7 +323,7 @@
           <a:p>
             <a:fld id="{289F927B-D436-4FC1-B81A-67BDF5029F0D}" type="datetimeFigureOut">
               <a:rPr lang="ko-KR" altLang="en-US" smtClean="0"/>
-              <a:t>2024-11-28</a:t>
+              <a:t>2024-11-30</a:t>
             </a:fld>
             <a:endParaRPr lang="ko-KR" altLang="en-US"/>
           </a:p>
@@ -693,7 +806,7 @@
           <a:p>
             <a:fld id="{13035935-73D9-4FD2-A983-329B58F0F719}" type="datetimeFigureOut">
               <a:rPr lang="ko-KR" altLang="en-US" smtClean="0"/>
-              <a:t>2024-11-28</a:t>
+              <a:t>2024-11-30</a:t>
             </a:fld>
             <a:endParaRPr lang="ko-KR" altLang="en-US"/>
           </a:p>
@@ -863,7 +976,7 @@
           <a:p>
             <a:fld id="{13035935-73D9-4FD2-A983-329B58F0F719}" type="datetimeFigureOut">
               <a:rPr lang="ko-KR" altLang="en-US" smtClean="0"/>
-              <a:t>2024-11-28</a:t>
+              <a:t>2024-11-30</a:t>
             </a:fld>
             <a:endParaRPr lang="ko-KR" altLang="en-US"/>
           </a:p>
@@ -1043,7 +1156,7 @@
           <a:p>
             <a:fld id="{13035935-73D9-4FD2-A983-329B58F0F719}" type="datetimeFigureOut">
               <a:rPr lang="ko-KR" altLang="en-US" smtClean="0"/>
-              <a:t>2024-11-28</a:t>
+              <a:t>2024-11-30</a:t>
             </a:fld>
             <a:endParaRPr lang="ko-KR" altLang="en-US"/>
           </a:p>
@@ -1338,7 +1451,7 @@
           <a:p>
             <a:fld id="{13035935-73D9-4FD2-A983-329B58F0F719}" type="datetimeFigureOut">
               <a:rPr lang="ko-KR" altLang="en-US" smtClean="0"/>
-              <a:t>2024-11-28</a:t>
+              <a:t>2024-11-30</a:t>
             </a:fld>
             <a:endParaRPr lang="ko-KR" altLang="en-US"/>
           </a:p>
@@ -1584,7 +1697,7 @@
           <a:p>
             <a:fld id="{13035935-73D9-4FD2-A983-329B58F0F719}" type="datetimeFigureOut">
               <a:rPr lang="ko-KR" altLang="en-US" smtClean="0"/>
-              <a:t>2024-11-28</a:t>
+              <a:t>2024-11-30</a:t>
             </a:fld>
             <a:endParaRPr lang="ko-KR" altLang="en-US"/>
           </a:p>
@@ -1816,7 +1929,7 @@
           <a:p>
             <a:fld id="{13035935-73D9-4FD2-A983-329B58F0F719}" type="datetimeFigureOut">
               <a:rPr lang="ko-KR" altLang="en-US" smtClean="0"/>
-              <a:t>2024-11-28</a:t>
+              <a:t>2024-11-30</a:t>
             </a:fld>
             <a:endParaRPr lang="ko-KR" altLang="en-US"/>
           </a:p>
@@ -2183,7 +2296,7 @@
           <a:p>
             <a:fld id="{13035935-73D9-4FD2-A983-329B58F0F719}" type="datetimeFigureOut">
               <a:rPr lang="ko-KR" altLang="en-US" smtClean="0"/>
-              <a:t>2024-11-28</a:t>
+              <a:t>2024-11-30</a:t>
             </a:fld>
             <a:endParaRPr lang="ko-KR" altLang="en-US"/>
           </a:p>
@@ -2301,7 +2414,7 @@
           <a:p>
             <a:fld id="{13035935-73D9-4FD2-A983-329B58F0F719}" type="datetimeFigureOut">
               <a:rPr lang="ko-KR" altLang="en-US" smtClean="0"/>
-              <a:t>2024-11-28</a:t>
+              <a:t>2024-11-30</a:t>
             </a:fld>
             <a:endParaRPr lang="ko-KR" altLang="en-US"/>
           </a:p>
@@ -2396,7 +2509,7 @@
           <a:p>
             <a:fld id="{13035935-73D9-4FD2-A983-329B58F0F719}" type="datetimeFigureOut">
               <a:rPr lang="ko-KR" altLang="en-US" smtClean="0"/>
-              <a:t>2024-11-28</a:t>
+              <a:t>2024-11-30</a:t>
             </a:fld>
             <a:endParaRPr lang="ko-KR" altLang="en-US"/>
           </a:p>
@@ -2673,7 +2786,7 @@
           <a:p>
             <a:fld id="{13035935-73D9-4FD2-A983-329B58F0F719}" type="datetimeFigureOut">
               <a:rPr lang="ko-KR" altLang="en-US" smtClean="0"/>
-              <a:t>2024-11-28</a:t>
+              <a:t>2024-11-30</a:t>
             </a:fld>
             <a:endParaRPr lang="ko-KR" altLang="en-US"/>
           </a:p>
@@ -2926,7 +3039,7 @@
           <a:p>
             <a:fld id="{13035935-73D9-4FD2-A983-329B58F0F719}" type="datetimeFigureOut">
               <a:rPr lang="ko-KR" altLang="en-US" smtClean="0"/>
-              <a:t>2024-11-28</a:t>
+              <a:t>2024-11-30</a:t>
             </a:fld>
             <a:endParaRPr lang="ko-KR" altLang="en-US"/>
           </a:p>
@@ -3139,7 +3252,7 @@
           <a:p>
             <a:fld id="{13035935-73D9-4FD2-A983-329B58F0F719}" type="datetimeFigureOut">
               <a:rPr lang="ko-KR" altLang="en-US" smtClean="0"/>
-              <a:t>2024-11-28</a:t>
+              <a:t>2024-11-30</a:t>
             </a:fld>
             <a:endParaRPr lang="ko-KR" altLang="en-US"/>
           </a:p>
@@ -3902,6 +4015,29 @@
               </a:rPr>
               <a:t>쿠버네티스 </a:t>
             </a:r>
+            <a:r>
+              <a:rPr lang="en-US" altLang="ko-KR" dirty="0">
+                <a:gradFill>
+                  <a:gsLst>
+                    <a:gs pos="100000">
+                      <a:schemeClr val="accent1">
+                        <a:lumMod val="50000"/>
+                      </a:schemeClr>
+                    </a:gs>
+                    <a:gs pos="100000">
+                      <a:schemeClr val="accent1">
+                        <a:lumMod val="45000"/>
+                        <a:lumOff val="55000"/>
+                      </a:schemeClr>
+                    </a:gs>
+                  </a:gsLst>
+                  <a:lin ang="5400000" scaled="1"/>
+                </a:gradFill>
+                <a:latin typeface="SB 어그로 Medium" panose="02020603020101020101" pitchFamily="18" charset="-127"/>
+                <a:ea typeface="SB 어그로 Medium" panose="02020603020101020101" pitchFamily="18" charset="-127"/>
+              </a:rPr>
+              <a:t/>
+            </a:r>
             <a:br>
               <a:rPr lang="en-US" altLang="ko-KR" dirty="0">
                 <a:gradFill>
@@ -3977,6 +4113,1642 @@
     <p:extLst>
       <p:ext uri="{BB962C8B-B14F-4D97-AF65-F5344CB8AC3E}">
         <p14:creationId xmlns:p14="http://schemas.microsoft.com/office/powerpoint/2010/main" val="1731639471"/>
+      </p:ext>
+    </p:extLst>
+  </p:cSld>
+  <p:clrMapOvr>
+    <a:masterClrMapping/>
+  </p:clrMapOvr>
+  <p:timing>
+    <p:tnLst>
+      <p:par>
+        <p:cTn id="1" dur="indefinite" restart="never" nodeType="tmRoot"/>
+      </p:par>
+    </p:tnLst>
+  </p:timing>
+</p:sld>
+</file>
+
+<file path=ppt/slides/slide10.xml><?xml version="1.0" encoding="utf-8"?>
+<p:sld xmlns:a="http://schemas.openxmlformats.org/drawingml/2006/main" xmlns:r="http://schemas.openxmlformats.org/officeDocument/2006/relationships" xmlns:p="http://schemas.openxmlformats.org/presentationml/2006/main">
+  <p:cSld>
+    <p:spTree>
+      <p:nvGrpSpPr>
+        <p:cNvPr id="1" name=""/>
+        <p:cNvGrpSpPr/>
+        <p:nvPr/>
+      </p:nvGrpSpPr>
+      <p:grpSpPr>
+        <a:xfrm>
+          <a:off x="0" y="0"/>
+          <a:ext cx="0" cy="0"/>
+          <a:chOff x="0" y="0"/>
+          <a:chExt cx="0" cy="0"/>
+        </a:xfrm>
+      </p:grpSpPr>
+      <p:sp>
+        <p:nvSpPr>
+          <p:cNvPr id="2" name="Title 1"/>
+          <p:cNvSpPr>
+            <a:spLocks noGrp="1"/>
+          </p:cNvSpPr>
+          <p:nvPr>
+            <p:ph type="title"/>
+          </p:nvPr>
+        </p:nvSpPr>
+        <p:spPr/>
+        <p:txBody>
+          <a:bodyPr/>
+          <a:lstStyle/>
+          <a:p>
+            <a:r>
+              <a:rPr lang="en-US" altLang="ko-KR" dirty="0"/>
+              <a:t>3. </a:t>
+            </a:r>
+            <a:r>
+              <a:rPr lang="ko-KR" altLang="en-US" dirty="0"/>
+              <a:t>그라파나를 통한 </a:t>
+            </a:r>
+            <a:r>
+              <a:rPr lang="ko-KR" altLang="en-US" dirty="0" smtClean="0"/>
+              <a:t>시각화</a:t>
+            </a:r>
+            <a:endParaRPr lang="ko-KR" altLang="en-US" dirty="0"/>
+          </a:p>
+        </p:txBody>
+      </p:sp>
+      <p:sp>
+        <p:nvSpPr>
+          <p:cNvPr id="3" name="Content Placeholder 2"/>
+          <p:cNvSpPr>
+            <a:spLocks noGrp="1"/>
+          </p:cNvSpPr>
+          <p:nvPr>
+            <p:ph idx="1"/>
+          </p:nvPr>
+        </p:nvSpPr>
+        <p:spPr/>
+        <p:txBody>
+          <a:bodyPr/>
+          <a:lstStyle/>
+          <a:p>
+            <a:r>
+              <a:rPr lang="en-US" altLang="ko-KR" dirty="0" err="1"/>
+              <a:t>CoreDNS</a:t>
+            </a:r>
+            <a:r>
+              <a:rPr lang="ko-KR" altLang="en-US" dirty="0"/>
+              <a:t>와 </a:t>
+            </a:r>
+            <a:r>
+              <a:rPr lang="en-US" altLang="ko-KR" dirty="0"/>
+              <a:t>API Server</a:t>
+            </a:r>
+            <a:r>
+              <a:rPr lang="ko-KR" altLang="en-US" dirty="0"/>
+              <a:t>의 상태를 확인</a:t>
+            </a:r>
+          </a:p>
+          <a:p>
+            <a:endParaRPr lang="ko-KR" altLang="en-US" dirty="0"/>
+          </a:p>
+        </p:txBody>
+      </p:sp>
+      <p:pic>
+        <p:nvPicPr>
+          <p:cNvPr id="4" name="Picture 3"/>
+          <p:cNvPicPr>
+            <a:picLocks noChangeAspect="1"/>
+          </p:cNvPicPr>
+          <p:nvPr/>
+        </p:nvPicPr>
+        <p:blipFill rotWithShape="1">
+          <a:blip r:embed="rId2"/>
+          <a:srcRect r="13780"/>
+          <a:stretch/>
+        </p:blipFill>
+        <p:spPr>
+          <a:xfrm>
+            <a:off x="510162" y="3319888"/>
+            <a:ext cx="5145234" cy="2962688"/>
+          </a:xfrm>
+          <a:prstGeom prst="rect">
+            <a:avLst/>
+          </a:prstGeom>
+        </p:spPr>
+      </p:pic>
+      <p:sp>
+        <p:nvSpPr>
+          <p:cNvPr id="5" name="Rectangle 4"/>
+          <p:cNvSpPr/>
+          <p:nvPr/>
+        </p:nvSpPr>
+        <p:spPr>
+          <a:xfrm>
+            <a:off x="1964792" y="2928380"/>
+            <a:ext cx="2313903" cy="369332"/>
+          </a:xfrm>
+          <a:prstGeom prst="rect">
+            <a:avLst/>
+          </a:prstGeom>
+        </p:spPr>
+        <p:txBody>
+          <a:bodyPr wrap="none">
+            <a:spAutoFit/>
+          </a:bodyPr>
+          <a:lstStyle/>
+          <a:p>
+            <a:r>
+              <a:rPr lang="en-US" altLang="ko-KR" b="1" dirty="0" smtClean="0"/>
+              <a:t>[core DNS</a:t>
+            </a:r>
+            <a:r>
+              <a:rPr lang="ko-KR" altLang="en-US" b="1" dirty="0" smtClean="0"/>
+              <a:t>서버상태</a:t>
+            </a:r>
+            <a:r>
+              <a:rPr lang="en-US" altLang="ko-KR" b="1" dirty="0" smtClean="0"/>
+              <a:t>]</a:t>
+            </a:r>
+            <a:endParaRPr lang="ko-KR" altLang="en-US" b="1" dirty="0"/>
+          </a:p>
+        </p:txBody>
+      </p:sp>
+      <p:pic>
+        <p:nvPicPr>
+          <p:cNvPr id="6" name="Picture 5"/>
+          <p:cNvPicPr>
+            <a:picLocks noChangeAspect="1"/>
+          </p:cNvPicPr>
+          <p:nvPr/>
+        </p:nvPicPr>
+        <p:blipFill>
+          <a:blip r:embed="rId3"/>
+          <a:stretch>
+            <a:fillRect/>
+          </a:stretch>
+        </p:blipFill>
+        <p:spPr>
+          <a:xfrm>
+            <a:off x="6289936" y="3334617"/>
+            <a:ext cx="5391902" cy="2962688"/>
+          </a:xfrm>
+          <a:prstGeom prst="rect">
+            <a:avLst/>
+          </a:prstGeom>
+        </p:spPr>
+      </p:pic>
+      <p:sp>
+        <p:nvSpPr>
+          <p:cNvPr id="7" name="Rectangle 6"/>
+          <p:cNvSpPr/>
+          <p:nvPr/>
+        </p:nvSpPr>
+        <p:spPr>
+          <a:xfrm>
+            <a:off x="7943893" y="2943110"/>
+            <a:ext cx="1733167" cy="369332"/>
+          </a:xfrm>
+          <a:prstGeom prst="rect">
+            <a:avLst/>
+          </a:prstGeom>
+        </p:spPr>
+        <p:txBody>
+          <a:bodyPr wrap="none">
+            <a:spAutoFit/>
+          </a:bodyPr>
+          <a:lstStyle/>
+          <a:p>
+            <a:r>
+              <a:rPr lang="en-US" altLang="ko-KR" b="1" dirty="0" smtClean="0"/>
+              <a:t>[API </a:t>
+            </a:r>
+            <a:r>
+              <a:rPr lang="ko-KR" altLang="en-US" b="1" dirty="0" smtClean="0"/>
+              <a:t>서버상태</a:t>
+            </a:r>
+            <a:r>
+              <a:rPr lang="en-US" altLang="ko-KR" b="1" dirty="0" smtClean="0"/>
+              <a:t>]</a:t>
+            </a:r>
+            <a:endParaRPr lang="ko-KR" altLang="en-US" b="1" dirty="0"/>
+          </a:p>
+        </p:txBody>
+      </p:sp>
+    </p:spTree>
+    <p:extLst>
+      <p:ext uri="{BB962C8B-B14F-4D97-AF65-F5344CB8AC3E}">
+        <p14:creationId xmlns:p14="http://schemas.microsoft.com/office/powerpoint/2010/main" val="2671850494"/>
+      </p:ext>
+    </p:extLst>
+  </p:cSld>
+  <p:clrMapOvr>
+    <a:masterClrMapping/>
+  </p:clrMapOvr>
+  <p:timing>
+    <p:tnLst>
+      <p:par>
+        <p:cTn id="1" dur="indefinite" restart="never" nodeType="tmRoot"/>
+      </p:par>
+    </p:tnLst>
+  </p:timing>
+</p:sld>
+</file>
+
+<file path=ppt/slides/slide11.xml><?xml version="1.0" encoding="utf-8"?>
+<p:sld xmlns:a="http://schemas.openxmlformats.org/drawingml/2006/main" xmlns:r="http://schemas.openxmlformats.org/officeDocument/2006/relationships" xmlns:p="http://schemas.openxmlformats.org/presentationml/2006/main">
+  <p:cSld>
+    <p:spTree>
+      <p:nvGrpSpPr>
+        <p:cNvPr id="1" name=""/>
+        <p:cNvGrpSpPr/>
+        <p:nvPr/>
+      </p:nvGrpSpPr>
+      <p:grpSpPr>
+        <a:xfrm>
+          <a:off x="0" y="0"/>
+          <a:ext cx="0" cy="0"/>
+          <a:chOff x="0" y="0"/>
+          <a:chExt cx="0" cy="0"/>
+        </a:xfrm>
+      </p:grpSpPr>
+      <p:sp>
+        <p:nvSpPr>
+          <p:cNvPr id="2" name="Title 1"/>
+          <p:cNvSpPr>
+            <a:spLocks noGrp="1"/>
+          </p:cNvSpPr>
+          <p:nvPr>
+            <p:ph type="title"/>
+          </p:nvPr>
+        </p:nvSpPr>
+        <p:spPr/>
+        <p:txBody>
+          <a:bodyPr/>
+          <a:lstStyle/>
+          <a:p>
+            <a:r>
+              <a:rPr lang="en-US" altLang="ko-KR" dirty="0"/>
+              <a:t>3. </a:t>
+            </a:r>
+            <a:r>
+              <a:rPr lang="ko-KR" altLang="en-US" dirty="0"/>
+              <a:t>그라파나를 통한 </a:t>
+            </a:r>
+            <a:r>
+              <a:rPr lang="ko-KR" altLang="en-US" dirty="0" smtClean="0"/>
+              <a:t>시각화</a:t>
+            </a:r>
+            <a:endParaRPr lang="ko-KR" altLang="en-US" dirty="0"/>
+          </a:p>
+        </p:txBody>
+      </p:sp>
+      <p:sp>
+        <p:nvSpPr>
+          <p:cNvPr id="3" name="Content Placeholder 2"/>
+          <p:cNvSpPr>
+            <a:spLocks noGrp="1"/>
+          </p:cNvSpPr>
+          <p:nvPr>
+            <p:ph idx="1"/>
+          </p:nvPr>
+        </p:nvSpPr>
+        <p:spPr/>
+        <p:txBody>
+          <a:bodyPr/>
+          <a:lstStyle/>
+          <a:p>
+            <a:r>
+              <a:rPr lang="en-US" altLang="ko-KR" dirty="0" smtClean="0"/>
+              <a:t>K8s</a:t>
+            </a:r>
+            <a:r>
+              <a:rPr lang="ko-KR" altLang="en-US" dirty="0" smtClean="0"/>
+              <a:t>의 상태 대시보드를 </a:t>
+            </a:r>
+            <a:r>
+              <a:rPr lang="en-US" altLang="ko-KR" dirty="0" smtClean="0"/>
+              <a:t>Import </a:t>
+            </a:r>
+            <a:r>
+              <a:rPr lang="ko-KR" altLang="en-US" dirty="0" smtClean="0"/>
+              <a:t>가능</a:t>
+            </a:r>
+            <a:endParaRPr lang="ko-KR" altLang="en-US" dirty="0"/>
+          </a:p>
+          <a:p>
+            <a:endParaRPr lang="ko-KR" altLang="en-US" dirty="0"/>
+          </a:p>
+        </p:txBody>
+      </p:sp>
+      <p:pic>
+        <p:nvPicPr>
+          <p:cNvPr id="8" name="Picture 7"/>
+          <p:cNvPicPr>
+            <a:picLocks noChangeAspect="1"/>
+          </p:cNvPicPr>
+          <p:nvPr/>
+        </p:nvPicPr>
+        <p:blipFill>
+          <a:blip r:embed="rId2"/>
+          <a:stretch>
+            <a:fillRect/>
+          </a:stretch>
+        </p:blipFill>
+        <p:spPr>
+          <a:xfrm>
+            <a:off x="838200" y="2418378"/>
+            <a:ext cx="7137323" cy="4161337"/>
+          </a:xfrm>
+          <a:prstGeom prst="rect">
+            <a:avLst/>
+          </a:prstGeom>
+        </p:spPr>
+      </p:pic>
+      <p:sp>
+        <p:nvSpPr>
+          <p:cNvPr id="9" name="Rectangle 8"/>
+          <p:cNvSpPr/>
+          <p:nvPr/>
+        </p:nvSpPr>
+        <p:spPr>
+          <a:xfrm>
+            <a:off x="838200" y="2049046"/>
+            <a:ext cx="8305800" cy="369332"/>
+          </a:xfrm>
+          <a:prstGeom prst="rect">
+            <a:avLst/>
+          </a:prstGeom>
+        </p:spPr>
+        <p:txBody>
+          <a:bodyPr wrap="square">
+            <a:spAutoFit/>
+          </a:bodyPr>
+          <a:lstStyle/>
+          <a:p>
+            <a:r>
+              <a:rPr lang="en-US" altLang="ko-KR" dirty="0"/>
+              <a:t>h</a:t>
+            </a:r>
+            <a:r>
+              <a:rPr lang="ko-KR" altLang="en-US" dirty="0"/>
+              <a:t>tt</a:t>
+            </a:r>
+            <a:r>
+              <a:rPr lang="en-US" altLang="ko-KR" dirty="0" err="1"/>
+              <a:t>ps</a:t>
+            </a:r>
+            <a:r>
+              <a:rPr lang="ko-KR" altLang="en-US" dirty="0"/>
+              <a:t> ://gra</a:t>
+            </a:r>
+            <a:r>
+              <a:rPr lang="en-US" altLang="ko-KR" dirty="0"/>
+              <a:t>f</a:t>
+            </a:r>
+            <a:r>
+              <a:rPr lang="ko-KR" altLang="en-US" dirty="0"/>
+              <a:t>ana.com/grafana/dashboards/13332</a:t>
+            </a:r>
+            <a:r>
+              <a:rPr lang="en-US" altLang="ko-KR" dirty="0"/>
+              <a:t>-k</a:t>
+            </a:r>
+            <a:r>
+              <a:rPr lang="ko-KR" altLang="en-US" dirty="0"/>
+              <a:t>ube</a:t>
+            </a:r>
+            <a:r>
+              <a:rPr lang="en-US" altLang="ko-KR" dirty="0"/>
+              <a:t>-s</a:t>
+            </a:r>
+            <a:r>
+              <a:rPr lang="ko-KR" altLang="en-US" dirty="0"/>
+              <a:t>tate</a:t>
+            </a:r>
+            <a:r>
+              <a:rPr lang="en-US" altLang="ko-KR" dirty="0"/>
+              <a:t>-</a:t>
+            </a:r>
+            <a:r>
+              <a:rPr lang="ko-KR" altLang="en-US" dirty="0"/>
+              <a:t>met</a:t>
+            </a:r>
+            <a:r>
+              <a:rPr lang="en-US" altLang="ko-KR" dirty="0" err="1"/>
+              <a:t>ricsv2</a:t>
+            </a:r>
+            <a:r>
+              <a:rPr lang="ko-KR" altLang="en-US" dirty="0"/>
+              <a:t>/</a:t>
+            </a:r>
+            <a:endParaRPr lang="ko-KR" altLang="en-US" dirty="0"/>
+          </a:p>
+        </p:txBody>
+      </p:sp>
+    </p:spTree>
+    <p:extLst>
+      <p:ext uri="{BB962C8B-B14F-4D97-AF65-F5344CB8AC3E}">
+        <p14:creationId xmlns:p14="http://schemas.microsoft.com/office/powerpoint/2010/main" val="3817627657"/>
+      </p:ext>
+    </p:extLst>
+  </p:cSld>
+  <p:clrMapOvr>
+    <a:masterClrMapping/>
+  </p:clrMapOvr>
+  <p:timing>
+    <p:tnLst>
+      <p:par>
+        <p:cTn id="1" dur="indefinite" restart="never" nodeType="tmRoot"/>
+      </p:par>
+    </p:tnLst>
+  </p:timing>
+</p:sld>
+</file>
+
+<file path=ppt/slides/slide12.xml><?xml version="1.0" encoding="utf-8"?>
+<p:sld xmlns:a="http://schemas.openxmlformats.org/drawingml/2006/main" xmlns:r="http://schemas.openxmlformats.org/officeDocument/2006/relationships" xmlns:p="http://schemas.openxmlformats.org/presentationml/2006/main">
+  <p:cSld>
+    <p:spTree>
+      <p:nvGrpSpPr>
+        <p:cNvPr id="1" name=""/>
+        <p:cNvGrpSpPr/>
+        <p:nvPr/>
+      </p:nvGrpSpPr>
+      <p:grpSpPr>
+        <a:xfrm>
+          <a:off x="0" y="0"/>
+          <a:ext cx="0" cy="0"/>
+          <a:chOff x="0" y="0"/>
+          <a:chExt cx="0" cy="0"/>
+        </a:xfrm>
+      </p:grpSpPr>
+      <p:sp>
+        <p:nvSpPr>
+          <p:cNvPr id="2" name="Title 1"/>
+          <p:cNvSpPr>
+            <a:spLocks noGrp="1"/>
+          </p:cNvSpPr>
+          <p:nvPr>
+            <p:ph type="title"/>
+          </p:nvPr>
+        </p:nvSpPr>
+        <p:spPr/>
+        <p:txBody>
+          <a:bodyPr/>
+          <a:lstStyle/>
+          <a:p>
+            <a:r>
+              <a:rPr lang="en-US" altLang="ko-KR" dirty="0"/>
+              <a:t>3. </a:t>
+            </a:r>
+            <a:r>
+              <a:rPr lang="ko-KR" altLang="en-US" dirty="0"/>
+              <a:t>그라파나를 통한 </a:t>
+            </a:r>
+            <a:r>
+              <a:rPr lang="ko-KR" altLang="en-US" dirty="0" smtClean="0"/>
+              <a:t>시각화</a:t>
+            </a:r>
+            <a:endParaRPr lang="ko-KR" altLang="en-US" dirty="0"/>
+          </a:p>
+        </p:txBody>
+      </p:sp>
+      <p:sp>
+        <p:nvSpPr>
+          <p:cNvPr id="3" name="Content Placeholder 2"/>
+          <p:cNvSpPr>
+            <a:spLocks noGrp="1"/>
+          </p:cNvSpPr>
+          <p:nvPr>
+            <p:ph idx="1"/>
+          </p:nvPr>
+        </p:nvSpPr>
+        <p:spPr/>
+        <p:txBody>
+          <a:bodyPr/>
+          <a:lstStyle/>
+          <a:p>
+            <a:r>
+              <a:rPr lang="en-US" altLang="ko-KR" dirty="0" smtClean="0"/>
+              <a:t>Dashboard</a:t>
+            </a:r>
+            <a:r>
+              <a:rPr lang="ko-KR" altLang="en-US" dirty="0" smtClean="0"/>
+              <a:t>를 </a:t>
+            </a:r>
+            <a:r>
+              <a:rPr lang="en-US" altLang="ko-KR" dirty="0" smtClean="0"/>
+              <a:t>Import</a:t>
+            </a:r>
+            <a:r>
+              <a:rPr lang="ko-KR" altLang="en-US" dirty="0" smtClean="0"/>
+              <a:t>하여 </a:t>
+            </a:r>
+            <a:r>
+              <a:rPr lang="en-US" altLang="ko-KR" dirty="0" smtClean="0"/>
+              <a:t>Copy</a:t>
+            </a:r>
+            <a:r>
+              <a:rPr lang="ko-KR" altLang="en-US" dirty="0" smtClean="0"/>
+              <a:t>한 </a:t>
+            </a:r>
+            <a:r>
+              <a:rPr lang="en-US" altLang="ko-KR" dirty="0" smtClean="0"/>
+              <a:t>id</a:t>
+            </a:r>
+            <a:r>
+              <a:rPr lang="ko-KR" altLang="en-US" dirty="0" smtClean="0"/>
+              <a:t>를 붙여넣기</a:t>
+            </a:r>
+            <a:endParaRPr lang="ko-KR" altLang="en-US" dirty="0"/>
+          </a:p>
+          <a:p>
+            <a:endParaRPr lang="ko-KR" altLang="en-US" dirty="0"/>
+          </a:p>
+        </p:txBody>
+      </p:sp>
+      <p:pic>
+        <p:nvPicPr>
+          <p:cNvPr id="4" name="Picture 3"/>
+          <p:cNvPicPr>
+            <a:picLocks noChangeAspect="1"/>
+          </p:cNvPicPr>
+          <p:nvPr/>
+        </p:nvPicPr>
+        <p:blipFill>
+          <a:blip r:embed="rId2"/>
+          <a:stretch>
+            <a:fillRect/>
+          </a:stretch>
+        </p:blipFill>
+        <p:spPr>
+          <a:xfrm>
+            <a:off x="838200" y="2688334"/>
+            <a:ext cx="5410955" cy="3019846"/>
+          </a:xfrm>
+          <a:prstGeom prst="rect">
+            <a:avLst/>
+          </a:prstGeom>
+        </p:spPr>
+      </p:pic>
+      <p:pic>
+        <p:nvPicPr>
+          <p:cNvPr id="6" name="Picture 5"/>
+          <p:cNvPicPr>
+            <a:picLocks noChangeAspect="1"/>
+          </p:cNvPicPr>
+          <p:nvPr/>
+        </p:nvPicPr>
+        <p:blipFill>
+          <a:blip r:embed="rId3"/>
+          <a:stretch>
+            <a:fillRect/>
+          </a:stretch>
+        </p:blipFill>
+        <p:spPr>
+          <a:xfrm>
+            <a:off x="6450098" y="2433429"/>
+            <a:ext cx="2948655" cy="2588514"/>
+          </a:xfrm>
+          <a:prstGeom prst="rect">
+            <a:avLst/>
+          </a:prstGeom>
+        </p:spPr>
+      </p:pic>
+      <p:pic>
+        <p:nvPicPr>
+          <p:cNvPr id="7" name="Picture 6"/>
+          <p:cNvPicPr>
+            <a:picLocks noChangeAspect="1"/>
+          </p:cNvPicPr>
+          <p:nvPr/>
+        </p:nvPicPr>
+        <p:blipFill>
+          <a:blip r:embed="rId4"/>
+          <a:stretch>
+            <a:fillRect/>
+          </a:stretch>
+        </p:blipFill>
+        <p:spPr>
+          <a:xfrm>
+            <a:off x="8822720" y="3991286"/>
+            <a:ext cx="3038333" cy="2674923"/>
+          </a:xfrm>
+          <a:prstGeom prst="rect">
+            <a:avLst/>
+          </a:prstGeom>
+        </p:spPr>
+      </p:pic>
+    </p:spTree>
+    <p:extLst>
+      <p:ext uri="{BB962C8B-B14F-4D97-AF65-F5344CB8AC3E}">
+        <p14:creationId xmlns:p14="http://schemas.microsoft.com/office/powerpoint/2010/main" val="3843187493"/>
+      </p:ext>
+    </p:extLst>
+  </p:cSld>
+  <p:clrMapOvr>
+    <a:masterClrMapping/>
+  </p:clrMapOvr>
+  <p:timing>
+    <p:tnLst>
+      <p:par>
+        <p:cTn id="1" dur="indefinite" restart="never" nodeType="tmRoot"/>
+      </p:par>
+    </p:tnLst>
+  </p:timing>
+</p:sld>
+</file>
+
+<file path=ppt/slides/slide13.xml><?xml version="1.0" encoding="utf-8"?>
+<p:sld xmlns:a="http://schemas.openxmlformats.org/drawingml/2006/main" xmlns:r="http://schemas.openxmlformats.org/officeDocument/2006/relationships" xmlns:p="http://schemas.openxmlformats.org/presentationml/2006/main">
+  <p:cSld>
+    <p:spTree>
+      <p:nvGrpSpPr>
+        <p:cNvPr id="1" name=""/>
+        <p:cNvGrpSpPr/>
+        <p:nvPr/>
+      </p:nvGrpSpPr>
+      <p:grpSpPr>
+        <a:xfrm>
+          <a:off x="0" y="0"/>
+          <a:ext cx="0" cy="0"/>
+          <a:chOff x="0" y="0"/>
+          <a:chExt cx="0" cy="0"/>
+        </a:xfrm>
+      </p:grpSpPr>
+      <p:sp>
+        <p:nvSpPr>
+          <p:cNvPr id="2" name="Title 1"/>
+          <p:cNvSpPr>
+            <a:spLocks noGrp="1"/>
+          </p:cNvSpPr>
+          <p:nvPr>
+            <p:ph type="title"/>
+          </p:nvPr>
+        </p:nvSpPr>
+        <p:spPr/>
+        <p:txBody>
+          <a:bodyPr/>
+          <a:lstStyle/>
+          <a:p>
+            <a:r>
+              <a:rPr lang="en-US" altLang="ko-KR" dirty="0"/>
+              <a:t>3. </a:t>
+            </a:r>
+            <a:r>
+              <a:rPr lang="ko-KR" altLang="en-US" dirty="0"/>
+              <a:t>그라파나를 통한 </a:t>
+            </a:r>
+            <a:r>
+              <a:rPr lang="ko-KR" altLang="en-US" dirty="0" smtClean="0"/>
+              <a:t>시각화</a:t>
+            </a:r>
+            <a:endParaRPr lang="ko-KR" altLang="en-US" dirty="0"/>
+          </a:p>
+        </p:txBody>
+      </p:sp>
+      <p:sp>
+        <p:nvSpPr>
+          <p:cNvPr id="3" name="Content Placeholder 2"/>
+          <p:cNvSpPr>
+            <a:spLocks noGrp="1"/>
+          </p:cNvSpPr>
+          <p:nvPr>
+            <p:ph idx="1"/>
+          </p:nvPr>
+        </p:nvSpPr>
+        <p:spPr/>
+        <p:txBody>
+          <a:bodyPr/>
+          <a:lstStyle/>
+          <a:p>
+            <a:r>
+              <a:rPr lang="en-US" altLang="ko-KR" dirty="0" smtClean="0"/>
+              <a:t>Dashboard</a:t>
+            </a:r>
+            <a:r>
+              <a:rPr lang="ko-KR" altLang="en-US" dirty="0" smtClean="0"/>
+              <a:t>를 </a:t>
+            </a:r>
+            <a:r>
+              <a:rPr lang="en-US" altLang="ko-KR" dirty="0" smtClean="0"/>
+              <a:t>Import</a:t>
+            </a:r>
+            <a:r>
+              <a:rPr lang="ko-KR" altLang="en-US" dirty="0" smtClean="0"/>
+              <a:t>하면 다음과 같은 화면을 볼 수 있음</a:t>
+            </a:r>
+            <a:endParaRPr lang="ko-KR" altLang="en-US" dirty="0"/>
+          </a:p>
+          <a:p>
+            <a:endParaRPr lang="ko-KR" altLang="en-US" dirty="0"/>
+          </a:p>
+        </p:txBody>
+      </p:sp>
+      <p:pic>
+        <p:nvPicPr>
+          <p:cNvPr id="5" name="Picture 4"/>
+          <p:cNvPicPr>
+            <a:picLocks noChangeAspect="1"/>
+          </p:cNvPicPr>
+          <p:nvPr/>
+        </p:nvPicPr>
+        <p:blipFill>
+          <a:blip r:embed="rId2"/>
+          <a:stretch>
+            <a:fillRect/>
+          </a:stretch>
+        </p:blipFill>
+        <p:spPr>
+          <a:xfrm>
+            <a:off x="2510972" y="2090325"/>
+            <a:ext cx="6808706" cy="4344950"/>
+          </a:xfrm>
+          <a:prstGeom prst="rect">
+            <a:avLst/>
+          </a:prstGeom>
+        </p:spPr>
+      </p:pic>
+    </p:spTree>
+    <p:extLst>
+      <p:ext uri="{BB962C8B-B14F-4D97-AF65-F5344CB8AC3E}">
+        <p14:creationId xmlns:p14="http://schemas.microsoft.com/office/powerpoint/2010/main" val="121982189"/>
+      </p:ext>
+    </p:extLst>
+  </p:cSld>
+  <p:clrMapOvr>
+    <a:masterClrMapping/>
+  </p:clrMapOvr>
+  <p:timing>
+    <p:tnLst>
+      <p:par>
+        <p:cTn id="1" dur="indefinite" restart="never" nodeType="tmRoot"/>
+      </p:par>
+    </p:tnLst>
+  </p:timing>
+</p:sld>
+</file>
+
+<file path=ppt/slides/slide14.xml><?xml version="1.0" encoding="utf-8"?>
+<p:sld xmlns:a="http://schemas.openxmlformats.org/drawingml/2006/main" xmlns:r="http://schemas.openxmlformats.org/officeDocument/2006/relationships" xmlns:p="http://schemas.openxmlformats.org/presentationml/2006/main">
+  <p:cSld>
+    <p:spTree>
+      <p:nvGrpSpPr>
+        <p:cNvPr id="1" name=""/>
+        <p:cNvGrpSpPr/>
+        <p:nvPr/>
+      </p:nvGrpSpPr>
+      <p:grpSpPr>
+        <a:xfrm>
+          <a:off x="0" y="0"/>
+          <a:ext cx="0" cy="0"/>
+          <a:chOff x="0" y="0"/>
+          <a:chExt cx="0" cy="0"/>
+        </a:xfrm>
+      </p:grpSpPr>
+      <p:sp>
+        <p:nvSpPr>
+          <p:cNvPr id="2" name="Title 1"/>
+          <p:cNvSpPr>
+            <a:spLocks noGrp="1"/>
+          </p:cNvSpPr>
+          <p:nvPr>
+            <p:ph type="title"/>
+          </p:nvPr>
+        </p:nvSpPr>
+        <p:spPr/>
+        <p:txBody>
+          <a:bodyPr/>
+          <a:lstStyle/>
+          <a:p>
+            <a:r>
+              <a:rPr lang="en-US" altLang="ko-KR" dirty="0" smtClean="0"/>
+              <a:t>4.</a:t>
+            </a:r>
+            <a:r>
+              <a:rPr lang="ko-KR" altLang="en-US" dirty="0" smtClean="0"/>
+              <a:t>로키를 통한 </a:t>
+            </a:r>
+            <a:r>
+              <a:rPr lang="en-US" altLang="ko-KR" dirty="0" err="1" smtClean="0"/>
+              <a:t>k8s</a:t>
+            </a:r>
+            <a:r>
+              <a:rPr lang="en-US" altLang="ko-KR" dirty="0" smtClean="0"/>
+              <a:t> </a:t>
+            </a:r>
+            <a:r>
+              <a:rPr lang="ko-KR" altLang="en-US" dirty="0" smtClean="0"/>
+              <a:t>로그 확인</a:t>
+            </a:r>
+            <a:endParaRPr lang="ko-KR" altLang="en-US" dirty="0"/>
+          </a:p>
+        </p:txBody>
+      </p:sp>
+      <p:sp>
+        <p:nvSpPr>
+          <p:cNvPr id="3" name="Content Placeholder 2"/>
+          <p:cNvSpPr>
+            <a:spLocks noGrp="1"/>
+          </p:cNvSpPr>
+          <p:nvPr>
+            <p:ph idx="1"/>
+          </p:nvPr>
+        </p:nvSpPr>
+        <p:spPr/>
+        <p:txBody>
+          <a:bodyPr/>
+          <a:lstStyle/>
+          <a:p>
+            <a:r>
+              <a:rPr lang="ko-KR" altLang="en-US" dirty="0" smtClean="0"/>
+              <a:t>로키는 </a:t>
+            </a:r>
+            <a:r>
+              <a:rPr lang="en-US" altLang="ko-KR" dirty="0" err="1" smtClean="0"/>
+              <a:t>k8s</a:t>
+            </a:r>
+            <a:r>
+              <a:rPr lang="ko-KR" altLang="en-US" dirty="0" smtClean="0"/>
+              <a:t>환경에서 로그를 수집</a:t>
+            </a:r>
+            <a:r>
+              <a:rPr lang="en-US" altLang="ko-KR" dirty="0" smtClean="0"/>
+              <a:t>,</a:t>
+            </a:r>
+            <a:r>
+              <a:rPr lang="ko-KR" altLang="en-US" dirty="0" smtClean="0"/>
+              <a:t>저장</a:t>
+            </a:r>
+            <a:r>
+              <a:rPr lang="en-US" altLang="ko-KR" dirty="0" smtClean="0"/>
+              <a:t>,</a:t>
+            </a:r>
+            <a:r>
+              <a:rPr lang="ko-KR" altLang="en-US" dirty="0" smtClean="0"/>
+              <a:t>조회하기 위한 </a:t>
+            </a:r>
+            <a:r>
+              <a:rPr lang="en-US" altLang="ko-KR" dirty="0" smtClean="0"/>
+              <a:t/>
+            </a:r>
+            <a:br>
+              <a:rPr lang="en-US" altLang="ko-KR" dirty="0" smtClean="0"/>
+            </a:br>
+            <a:r>
+              <a:rPr lang="ko-KR" altLang="en-US" dirty="0" smtClean="0"/>
+              <a:t>오픈소스 로킹시스템</a:t>
+            </a:r>
+            <a:endParaRPr lang="en-US" altLang="ko-KR" dirty="0" smtClean="0"/>
+          </a:p>
+          <a:p>
+            <a:pPr lvl="1"/>
+            <a:r>
+              <a:rPr lang="ko-KR" altLang="en-US" dirty="0" smtClean="0"/>
+              <a:t>쿠버네티스를 구성하고 있는 다수의 노드에서 생성된 다양한 로그를 한눈에 확인할 수 있음 </a:t>
+            </a:r>
+            <a:endParaRPr lang="en-US" altLang="ko-KR" dirty="0" smtClean="0"/>
+          </a:p>
+          <a:p>
+            <a:pPr lvl="1"/>
+            <a:endParaRPr lang="ko-KR" altLang="en-US" dirty="0"/>
+          </a:p>
+        </p:txBody>
+      </p:sp>
+      <p:pic>
+        <p:nvPicPr>
+          <p:cNvPr id="5" name="Picture 4"/>
+          <p:cNvPicPr>
+            <a:picLocks noChangeAspect="1"/>
+          </p:cNvPicPr>
+          <p:nvPr/>
+        </p:nvPicPr>
+        <p:blipFill>
+          <a:blip r:embed="rId2"/>
+          <a:stretch>
+            <a:fillRect/>
+          </a:stretch>
+        </p:blipFill>
+        <p:spPr>
+          <a:xfrm>
+            <a:off x="4182601" y="3546602"/>
+            <a:ext cx="4537997" cy="2961823"/>
+          </a:xfrm>
+          <a:prstGeom prst="rect">
+            <a:avLst/>
+          </a:prstGeom>
+        </p:spPr>
+      </p:pic>
+      <p:sp>
+        <p:nvSpPr>
+          <p:cNvPr id="6" name="Rectangle 5"/>
+          <p:cNvSpPr/>
+          <p:nvPr/>
+        </p:nvSpPr>
+        <p:spPr>
+          <a:xfrm>
+            <a:off x="4800006" y="3177270"/>
+            <a:ext cx="3565848" cy="369332"/>
+          </a:xfrm>
+          <a:prstGeom prst="rect">
+            <a:avLst/>
+          </a:prstGeom>
+        </p:spPr>
+        <p:txBody>
+          <a:bodyPr wrap="none">
+            <a:spAutoFit/>
+          </a:bodyPr>
+          <a:lstStyle/>
+          <a:p>
+            <a:r>
+              <a:rPr lang="en-US" altLang="ko-KR" b="1" dirty="0"/>
+              <a:t>PLG</a:t>
+            </a:r>
+            <a:r>
+              <a:rPr lang="ko-KR" altLang="en-US" b="1" dirty="0"/>
+              <a:t>구조</a:t>
+            </a:r>
+            <a:r>
+              <a:rPr lang="en-US" altLang="ko-KR" b="1" dirty="0"/>
+              <a:t>:</a:t>
+            </a:r>
+            <a:r>
+              <a:rPr lang="en-US" altLang="ko-KR" b="1" dirty="0" err="1"/>
+              <a:t>Promtail</a:t>
+            </a:r>
+            <a:r>
+              <a:rPr lang="en-US" altLang="ko-KR" b="1" dirty="0"/>
+              <a:t>-Loki-</a:t>
+            </a:r>
+            <a:r>
+              <a:rPr lang="en-US" altLang="ko-KR" b="1" dirty="0" err="1"/>
+              <a:t>Grafana</a:t>
+            </a:r>
+            <a:endParaRPr lang="ko-KR" altLang="en-US" b="1" dirty="0"/>
+          </a:p>
+        </p:txBody>
+      </p:sp>
+    </p:spTree>
+    <p:extLst>
+      <p:ext uri="{BB962C8B-B14F-4D97-AF65-F5344CB8AC3E}">
+        <p14:creationId xmlns:p14="http://schemas.microsoft.com/office/powerpoint/2010/main" val="863103763"/>
+      </p:ext>
+    </p:extLst>
+  </p:cSld>
+  <p:clrMapOvr>
+    <a:masterClrMapping/>
+  </p:clrMapOvr>
+  <p:timing>
+    <p:tnLst>
+      <p:par>
+        <p:cTn id="1" dur="indefinite" restart="never" nodeType="tmRoot"/>
+      </p:par>
+    </p:tnLst>
+  </p:timing>
+</p:sld>
+</file>
+
+<file path=ppt/slides/slide15.xml><?xml version="1.0" encoding="utf-8"?>
+<p:sld xmlns:a="http://schemas.openxmlformats.org/drawingml/2006/main" xmlns:r="http://schemas.openxmlformats.org/officeDocument/2006/relationships" xmlns:p="http://schemas.openxmlformats.org/presentationml/2006/main">
+  <p:cSld>
+    <p:spTree>
+      <p:nvGrpSpPr>
+        <p:cNvPr id="1" name=""/>
+        <p:cNvGrpSpPr/>
+        <p:nvPr/>
+      </p:nvGrpSpPr>
+      <p:grpSpPr>
+        <a:xfrm>
+          <a:off x="0" y="0"/>
+          <a:ext cx="0" cy="0"/>
+          <a:chOff x="0" y="0"/>
+          <a:chExt cx="0" cy="0"/>
+        </a:xfrm>
+      </p:grpSpPr>
+      <p:sp>
+        <p:nvSpPr>
+          <p:cNvPr id="2" name="Title 1"/>
+          <p:cNvSpPr>
+            <a:spLocks noGrp="1"/>
+          </p:cNvSpPr>
+          <p:nvPr>
+            <p:ph type="title"/>
+          </p:nvPr>
+        </p:nvSpPr>
+        <p:spPr/>
+        <p:txBody>
+          <a:bodyPr/>
+          <a:lstStyle/>
+          <a:p>
+            <a:r>
+              <a:rPr lang="en-US" altLang="ko-KR" dirty="0"/>
+              <a:t>4.</a:t>
+            </a:r>
+            <a:r>
+              <a:rPr lang="ko-KR" altLang="en-US" dirty="0"/>
+              <a:t>로키를 통한 </a:t>
+            </a:r>
+            <a:r>
+              <a:rPr lang="en-US" altLang="ko-KR" dirty="0" err="1"/>
+              <a:t>k8s</a:t>
+            </a:r>
+            <a:r>
+              <a:rPr lang="en-US" altLang="ko-KR" dirty="0"/>
+              <a:t> </a:t>
+            </a:r>
+            <a:r>
+              <a:rPr lang="ko-KR" altLang="en-US" dirty="0"/>
+              <a:t>로그 확인</a:t>
+            </a:r>
+          </a:p>
+        </p:txBody>
+      </p:sp>
+      <p:sp>
+        <p:nvSpPr>
+          <p:cNvPr id="3" name="Content Placeholder 2"/>
+          <p:cNvSpPr>
+            <a:spLocks noGrp="1"/>
+          </p:cNvSpPr>
+          <p:nvPr>
+            <p:ph idx="1"/>
+          </p:nvPr>
+        </p:nvSpPr>
+        <p:spPr/>
+        <p:txBody>
+          <a:bodyPr>
+            <a:normAutofit/>
+          </a:bodyPr>
+          <a:lstStyle/>
+          <a:p>
+            <a:r>
+              <a:rPr lang="ko-KR" altLang="en-US" dirty="0" smtClean="0"/>
+              <a:t>로키설치</a:t>
+            </a:r>
+            <a:endParaRPr lang="en-US" altLang="ko-KR" dirty="0"/>
+          </a:p>
+          <a:p>
+            <a:pPr lvl="1"/>
+            <a:r>
+              <a:rPr lang="en-US" altLang="ko-KR" dirty="0"/>
+              <a:t>helm repo add </a:t>
+            </a:r>
+            <a:r>
+              <a:rPr lang="en-US" altLang="ko-KR" dirty="0" err="1" smtClean="0"/>
+              <a:t>grafana</a:t>
+            </a:r>
+            <a:r>
+              <a:rPr lang="en-US" altLang="ko-KR" dirty="0" smtClean="0"/>
+              <a:t> </a:t>
+            </a:r>
+            <a:r>
+              <a:rPr lang="en-US" altLang="ko-KR" dirty="0" smtClean="0">
+                <a:hlinkClick r:id="rId2"/>
+              </a:rPr>
+              <a:t>https://grafana.github.io/helm-charts</a:t>
+            </a:r>
+            <a:endParaRPr lang="en-US" altLang="ko-KR" dirty="0" smtClean="0"/>
+          </a:p>
+          <a:p>
+            <a:pPr lvl="1"/>
+            <a:r>
+              <a:rPr lang="en-US" altLang="ko-KR" dirty="0"/>
+              <a:t>helm repo </a:t>
+            </a:r>
+            <a:r>
+              <a:rPr lang="en-US" altLang="ko-KR" dirty="0" smtClean="0"/>
+              <a:t>update</a:t>
+            </a:r>
+          </a:p>
+          <a:p>
+            <a:pPr lvl="1"/>
+            <a:r>
+              <a:rPr lang="en-US" altLang="ko-KR" dirty="0"/>
+              <a:t>helm search repo </a:t>
+            </a:r>
+            <a:r>
+              <a:rPr lang="en-US" altLang="ko-KR" dirty="0" err="1" smtClean="0"/>
+              <a:t>loki</a:t>
+            </a:r>
+            <a:endParaRPr lang="en-US" altLang="ko-KR" dirty="0" smtClean="0"/>
+          </a:p>
+          <a:p>
+            <a:pPr lvl="1"/>
+            <a:r>
+              <a:rPr lang="en-US" altLang="ko-KR" dirty="0"/>
+              <a:t>helm </a:t>
+            </a:r>
+            <a:r>
+              <a:rPr lang="en-US" altLang="ko-KR" dirty="0" smtClean="0"/>
+              <a:t>pull </a:t>
+            </a:r>
+            <a:r>
+              <a:rPr lang="en-US" altLang="ko-KR" dirty="0" err="1" smtClean="0"/>
+              <a:t>grafana</a:t>
+            </a:r>
+            <a:r>
+              <a:rPr lang="en-US" altLang="ko-KR" dirty="0" smtClean="0"/>
+              <a:t>/</a:t>
+            </a:r>
+            <a:r>
+              <a:rPr lang="en-US" altLang="ko-KR" dirty="0" err="1" smtClean="0"/>
+              <a:t>loki</a:t>
+            </a:r>
+            <a:r>
+              <a:rPr lang="en-US" altLang="ko-KR" dirty="0" smtClean="0"/>
+              <a:t>-stack</a:t>
+            </a:r>
+          </a:p>
+          <a:p>
+            <a:pPr lvl="1"/>
+            <a:r>
+              <a:rPr lang="en-US" altLang="ko-KR" dirty="0"/>
+              <a:t>tar </a:t>
+            </a:r>
+            <a:r>
+              <a:rPr lang="en-US" altLang="ko-KR" dirty="0" err="1"/>
+              <a:t>xvfz</a:t>
+            </a:r>
+            <a:r>
+              <a:rPr lang="en-US" altLang="ko-KR" dirty="0"/>
+              <a:t> </a:t>
+            </a:r>
+            <a:r>
+              <a:rPr lang="en-US" altLang="ko-KR" dirty="0" smtClean="0"/>
+              <a:t>loki-stack-xx.x.x.tgz</a:t>
+            </a:r>
+            <a:endParaRPr lang="en-US" altLang="ko-KR" dirty="0"/>
+          </a:p>
+          <a:p>
+            <a:pPr marL="457200" lvl="1" indent="0">
+              <a:buNone/>
+            </a:pPr>
+            <a:endParaRPr lang="en-US" altLang="ko-KR" dirty="0"/>
+          </a:p>
+          <a:p>
+            <a:pPr lvl="1"/>
+            <a:r>
+              <a:rPr lang="en-US" altLang="ko-KR" dirty="0" err="1" smtClean="0"/>
+              <a:t>kubectl</a:t>
+            </a:r>
+            <a:r>
+              <a:rPr lang="en-US" altLang="ko-KR" dirty="0" smtClean="0"/>
+              <a:t> create namespace </a:t>
+            </a:r>
+            <a:r>
+              <a:rPr lang="en-US" altLang="ko-KR" dirty="0" err="1" smtClean="0"/>
+              <a:t>myloki</a:t>
+            </a:r>
+            <a:endParaRPr lang="en-US" altLang="ko-KR" dirty="0" smtClean="0"/>
+          </a:p>
+          <a:p>
+            <a:pPr lvl="1"/>
+            <a:r>
+              <a:rPr lang="en-US" altLang="ko-KR" dirty="0" smtClean="0"/>
+              <a:t>helm install --namespace </a:t>
+            </a:r>
+            <a:r>
+              <a:rPr lang="en-US" altLang="ko-KR" dirty="0" err="1"/>
+              <a:t>myloki</a:t>
+            </a:r>
+            <a:r>
+              <a:rPr lang="en-US" altLang="ko-KR" dirty="0"/>
+              <a:t> </a:t>
+            </a:r>
+            <a:r>
+              <a:rPr lang="en-US" altLang="ko-KR" dirty="0" smtClean="0"/>
+              <a:t>--generate-name </a:t>
+            </a:r>
+            <a:r>
+              <a:rPr lang="en-US" altLang="ko-KR" dirty="0" err="1"/>
+              <a:t>grafana</a:t>
+            </a:r>
+            <a:r>
+              <a:rPr lang="en-US" altLang="ko-KR" dirty="0"/>
+              <a:t>/</a:t>
+            </a:r>
+            <a:r>
+              <a:rPr lang="en-US" altLang="ko-KR" dirty="0" err="1"/>
+              <a:t>loki</a:t>
+            </a:r>
+            <a:r>
+              <a:rPr lang="en-US" altLang="ko-KR" dirty="0"/>
+              <a:t>-stack</a:t>
+            </a:r>
+            <a:r>
+              <a:rPr lang="en-US" altLang="ko-KR" dirty="0" smtClean="0"/>
+              <a:t> -f my-</a:t>
+            </a:r>
+            <a:r>
+              <a:rPr lang="en-US" altLang="ko-KR" dirty="0" err="1" smtClean="0"/>
+              <a:t>values.yaml</a:t>
+            </a:r>
+            <a:endParaRPr lang="en-US" altLang="ko-KR" dirty="0" smtClean="0"/>
+          </a:p>
+          <a:p>
+            <a:pPr lvl="1"/>
+            <a:r>
+              <a:rPr lang="en-US" altLang="ko-KR" dirty="0" err="1" smtClean="0"/>
+              <a:t>Kubectl</a:t>
+            </a:r>
+            <a:r>
+              <a:rPr lang="en-US" altLang="ko-KR" dirty="0" smtClean="0"/>
+              <a:t> get all –namespace </a:t>
+            </a:r>
+            <a:r>
+              <a:rPr lang="en-US" altLang="ko-KR" dirty="0" err="1" smtClean="0"/>
+              <a:t>myloki</a:t>
+            </a:r>
+            <a:endParaRPr lang="ko-KR" altLang="en-US" dirty="0"/>
+          </a:p>
+        </p:txBody>
+      </p:sp>
+    </p:spTree>
+    <p:extLst>
+      <p:ext uri="{BB962C8B-B14F-4D97-AF65-F5344CB8AC3E}">
+        <p14:creationId xmlns:p14="http://schemas.microsoft.com/office/powerpoint/2010/main" val="1199765385"/>
+      </p:ext>
+    </p:extLst>
+  </p:cSld>
+  <p:clrMapOvr>
+    <a:masterClrMapping/>
+  </p:clrMapOvr>
+</p:sld>
+</file>
+
+<file path=ppt/slides/slide16.xml><?xml version="1.0" encoding="utf-8"?>
+<p:sld xmlns:a="http://schemas.openxmlformats.org/drawingml/2006/main" xmlns:r="http://schemas.openxmlformats.org/officeDocument/2006/relationships" xmlns:p="http://schemas.openxmlformats.org/presentationml/2006/main">
+  <p:cSld>
+    <p:spTree>
+      <p:nvGrpSpPr>
+        <p:cNvPr id="1" name=""/>
+        <p:cNvGrpSpPr/>
+        <p:nvPr/>
+      </p:nvGrpSpPr>
+      <p:grpSpPr>
+        <a:xfrm>
+          <a:off x="0" y="0"/>
+          <a:ext cx="0" cy="0"/>
+          <a:chOff x="0" y="0"/>
+          <a:chExt cx="0" cy="0"/>
+        </a:xfrm>
+      </p:grpSpPr>
+      <p:sp>
+        <p:nvSpPr>
+          <p:cNvPr id="2" name="Title 1"/>
+          <p:cNvSpPr>
+            <a:spLocks noGrp="1"/>
+          </p:cNvSpPr>
+          <p:nvPr>
+            <p:ph type="title"/>
+          </p:nvPr>
+        </p:nvSpPr>
+        <p:spPr/>
+        <p:txBody>
+          <a:bodyPr/>
+          <a:lstStyle/>
+          <a:p>
+            <a:r>
+              <a:rPr lang="en-US" altLang="ko-KR" dirty="0"/>
+              <a:t>4.</a:t>
+            </a:r>
+            <a:r>
+              <a:rPr lang="ko-KR" altLang="en-US" dirty="0"/>
+              <a:t>로키를 통한 </a:t>
+            </a:r>
+            <a:r>
+              <a:rPr lang="en-US" altLang="ko-KR" dirty="0" err="1"/>
+              <a:t>k8s</a:t>
+            </a:r>
+            <a:r>
+              <a:rPr lang="en-US" altLang="ko-KR" dirty="0"/>
+              <a:t> </a:t>
+            </a:r>
+            <a:r>
+              <a:rPr lang="ko-KR" altLang="en-US" dirty="0"/>
+              <a:t>로그 확인</a:t>
+            </a:r>
+          </a:p>
+        </p:txBody>
+      </p:sp>
+      <p:sp>
+        <p:nvSpPr>
+          <p:cNvPr id="3" name="Content Placeholder 2"/>
+          <p:cNvSpPr>
+            <a:spLocks noGrp="1"/>
+          </p:cNvSpPr>
+          <p:nvPr>
+            <p:ph idx="1"/>
+          </p:nvPr>
+        </p:nvSpPr>
+        <p:spPr/>
+        <p:txBody>
+          <a:bodyPr/>
+          <a:lstStyle/>
+          <a:p>
+            <a:r>
+              <a:rPr lang="ko-KR" altLang="en-US" dirty="0" smtClean="0"/>
+              <a:t>설정</a:t>
+            </a:r>
+            <a:endParaRPr lang="ko-KR" altLang="en-US" dirty="0"/>
+          </a:p>
+        </p:txBody>
+      </p:sp>
+      <p:pic>
+        <p:nvPicPr>
+          <p:cNvPr id="4" name="Picture 3"/>
+          <p:cNvPicPr>
+            <a:picLocks noChangeAspect="1"/>
+          </p:cNvPicPr>
+          <p:nvPr/>
+        </p:nvPicPr>
+        <p:blipFill>
+          <a:blip r:embed="rId2"/>
+          <a:stretch>
+            <a:fillRect/>
+          </a:stretch>
+        </p:blipFill>
+        <p:spPr>
+          <a:xfrm>
+            <a:off x="942188" y="2109785"/>
+            <a:ext cx="4763165" cy="3277057"/>
+          </a:xfrm>
+          <a:prstGeom prst="rect">
+            <a:avLst/>
+          </a:prstGeom>
+        </p:spPr>
+      </p:pic>
+      <p:pic>
+        <p:nvPicPr>
+          <p:cNvPr id="5" name="Picture 4"/>
+          <p:cNvPicPr>
+            <a:picLocks noChangeAspect="1"/>
+          </p:cNvPicPr>
+          <p:nvPr/>
+        </p:nvPicPr>
+        <p:blipFill>
+          <a:blip r:embed="rId3"/>
+          <a:stretch>
+            <a:fillRect/>
+          </a:stretch>
+        </p:blipFill>
+        <p:spPr>
+          <a:xfrm>
+            <a:off x="2278447" y="2840333"/>
+            <a:ext cx="5249008" cy="2905530"/>
+          </a:xfrm>
+          <a:prstGeom prst="rect">
+            <a:avLst/>
+          </a:prstGeom>
+        </p:spPr>
+      </p:pic>
+      <p:pic>
+        <p:nvPicPr>
+          <p:cNvPr id="6" name="Picture 5"/>
+          <p:cNvPicPr>
+            <a:picLocks noChangeAspect="1"/>
+          </p:cNvPicPr>
+          <p:nvPr/>
+        </p:nvPicPr>
+        <p:blipFill>
+          <a:blip r:embed="rId4"/>
+          <a:stretch>
+            <a:fillRect/>
+          </a:stretch>
+        </p:blipFill>
+        <p:spPr>
+          <a:xfrm>
+            <a:off x="4902951" y="1595248"/>
+            <a:ext cx="4029637" cy="3115110"/>
+          </a:xfrm>
+          <a:prstGeom prst="rect">
+            <a:avLst/>
+          </a:prstGeom>
+        </p:spPr>
+      </p:pic>
+      <p:pic>
+        <p:nvPicPr>
+          <p:cNvPr id="7" name="Picture 6"/>
+          <p:cNvPicPr>
+            <a:picLocks noChangeAspect="1"/>
+          </p:cNvPicPr>
+          <p:nvPr/>
+        </p:nvPicPr>
+        <p:blipFill>
+          <a:blip r:embed="rId5"/>
+          <a:stretch>
+            <a:fillRect/>
+          </a:stretch>
+        </p:blipFill>
+        <p:spPr>
+          <a:xfrm>
+            <a:off x="6422034" y="3022511"/>
+            <a:ext cx="5420481" cy="3534268"/>
+          </a:xfrm>
+          <a:prstGeom prst="rect">
+            <a:avLst/>
+          </a:prstGeom>
+        </p:spPr>
+      </p:pic>
+      <p:pic>
+        <p:nvPicPr>
+          <p:cNvPr id="8" name="Picture 7"/>
+          <p:cNvPicPr>
+            <a:picLocks noChangeAspect="1"/>
+          </p:cNvPicPr>
+          <p:nvPr/>
+        </p:nvPicPr>
+        <p:blipFill>
+          <a:blip r:embed="rId6"/>
+          <a:stretch>
+            <a:fillRect/>
+          </a:stretch>
+        </p:blipFill>
+        <p:spPr>
+          <a:xfrm>
+            <a:off x="8700308" y="6098069"/>
+            <a:ext cx="1409897" cy="419158"/>
+          </a:xfrm>
+          <a:prstGeom prst="rect">
+            <a:avLst/>
+          </a:prstGeom>
+        </p:spPr>
+      </p:pic>
+    </p:spTree>
+    <p:extLst>
+      <p:ext uri="{BB962C8B-B14F-4D97-AF65-F5344CB8AC3E}">
+        <p14:creationId xmlns:p14="http://schemas.microsoft.com/office/powerpoint/2010/main" val="1554765019"/>
+      </p:ext>
+    </p:extLst>
+  </p:cSld>
+  <p:clrMapOvr>
+    <a:masterClrMapping/>
+  </p:clrMapOvr>
+</p:sld>
+</file>
+
+<file path=ppt/slides/slide17.xml><?xml version="1.0" encoding="utf-8"?>
+<p:sld xmlns:a="http://schemas.openxmlformats.org/drawingml/2006/main" xmlns:r="http://schemas.openxmlformats.org/officeDocument/2006/relationships" xmlns:p="http://schemas.openxmlformats.org/presentationml/2006/main">
+  <p:cSld>
+    <p:spTree>
+      <p:nvGrpSpPr>
+        <p:cNvPr id="1" name=""/>
+        <p:cNvGrpSpPr/>
+        <p:nvPr/>
+      </p:nvGrpSpPr>
+      <p:grpSpPr>
+        <a:xfrm>
+          <a:off x="0" y="0"/>
+          <a:ext cx="0" cy="0"/>
+          <a:chOff x="0" y="0"/>
+          <a:chExt cx="0" cy="0"/>
+        </a:xfrm>
+      </p:grpSpPr>
+      <p:sp>
+        <p:nvSpPr>
+          <p:cNvPr id="2" name="Title 1"/>
+          <p:cNvSpPr>
+            <a:spLocks noGrp="1"/>
+          </p:cNvSpPr>
+          <p:nvPr>
+            <p:ph type="title"/>
+          </p:nvPr>
+        </p:nvSpPr>
+        <p:spPr/>
+        <p:txBody>
+          <a:bodyPr/>
+          <a:lstStyle/>
+          <a:p>
+            <a:r>
+              <a:rPr lang="en-US" altLang="ko-KR" dirty="0"/>
+              <a:t>4.</a:t>
+            </a:r>
+            <a:r>
+              <a:rPr lang="ko-KR" altLang="en-US" dirty="0"/>
+              <a:t>로키를 통한 </a:t>
+            </a:r>
+            <a:r>
+              <a:rPr lang="en-US" altLang="ko-KR" dirty="0" err="1"/>
+              <a:t>k8s</a:t>
+            </a:r>
+            <a:r>
+              <a:rPr lang="en-US" altLang="ko-KR" dirty="0"/>
+              <a:t> </a:t>
+            </a:r>
+            <a:r>
+              <a:rPr lang="ko-KR" altLang="en-US" dirty="0"/>
+              <a:t>로그 확인</a:t>
+            </a:r>
+          </a:p>
+        </p:txBody>
+      </p:sp>
+      <p:sp>
+        <p:nvSpPr>
+          <p:cNvPr id="3" name="Content Placeholder 2"/>
+          <p:cNvSpPr>
+            <a:spLocks noGrp="1"/>
+          </p:cNvSpPr>
+          <p:nvPr>
+            <p:ph idx="1"/>
+          </p:nvPr>
+        </p:nvSpPr>
+        <p:spPr/>
+        <p:txBody>
+          <a:bodyPr/>
+          <a:lstStyle/>
+          <a:p>
+            <a:r>
+              <a:rPr lang="ko-KR" altLang="en-US" dirty="0" smtClean="0"/>
+              <a:t>데이터 소스에 연결되어서</a:t>
+            </a:r>
+            <a:r>
+              <a:rPr lang="en-US" altLang="ko-KR" dirty="0" smtClean="0"/>
+              <a:t>, explore</a:t>
+            </a:r>
+            <a:r>
+              <a:rPr lang="ko-KR" altLang="en-US" dirty="0" smtClean="0"/>
+              <a:t>로 로그 확인 가능</a:t>
+            </a:r>
+            <a:endParaRPr lang="ko-KR" altLang="en-US" dirty="0"/>
+          </a:p>
+        </p:txBody>
+      </p:sp>
+      <p:pic>
+        <p:nvPicPr>
+          <p:cNvPr id="4" name="Picture 3"/>
+          <p:cNvPicPr>
+            <a:picLocks noChangeAspect="1"/>
+          </p:cNvPicPr>
+          <p:nvPr/>
+        </p:nvPicPr>
+        <p:blipFill>
+          <a:blip r:embed="rId2"/>
+          <a:stretch>
+            <a:fillRect/>
+          </a:stretch>
+        </p:blipFill>
+        <p:spPr>
+          <a:xfrm>
+            <a:off x="742203" y="2111177"/>
+            <a:ext cx="5353797" cy="2838846"/>
+          </a:xfrm>
+          <a:prstGeom prst="rect">
+            <a:avLst/>
+          </a:prstGeom>
+        </p:spPr>
+      </p:pic>
+      <p:pic>
+        <p:nvPicPr>
+          <p:cNvPr id="5" name="Picture 4"/>
+          <p:cNvPicPr>
+            <a:picLocks noChangeAspect="1"/>
+          </p:cNvPicPr>
+          <p:nvPr/>
+        </p:nvPicPr>
+        <p:blipFill>
+          <a:blip r:embed="rId3"/>
+          <a:stretch>
+            <a:fillRect/>
+          </a:stretch>
+        </p:blipFill>
+        <p:spPr>
+          <a:xfrm>
+            <a:off x="2494950" y="2484777"/>
+            <a:ext cx="5344271" cy="2838846"/>
+          </a:xfrm>
+          <a:prstGeom prst="rect">
+            <a:avLst/>
+          </a:prstGeom>
+        </p:spPr>
+      </p:pic>
+      <p:pic>
+        <p:nvPicPr>
+          <p:cNvPr id="6" name="Picture 5"/>
+          <p:cNvPicPr>
+            <a:picLocks noChangeAspect="1"/>
+          </p:cNvPicPr>
+          <p:nvPr/>
+        </p:nvPicPr>
+        <p:blipFill>
+          <a:blip r:embed="rId4"/>
+          <a:stretch>
+            <a:fillRect/>
+          </a:stretch>
+        </p:blipFill>
+        <p:spPr>
+          <a:xfrm>
+            <a:off x="3690110" y="2762638"/>
+            <a:ext cx="5363323" cy="3029373"/>
+          </a:xfrm>
+          <a:prstGeom prst="rect">
+            <a:avLst/>
+          </a:prstGeom>
+        </p:spPr>
+      </p:pic>
+    </p:spTree>
+    <p:extLst>
+      <p:ext uri="{BB962C8B-B14F-4D97-AF65-F5344CB8AC3E}">
+        <p14:creationId xmlns:p14="http://schemas.microsoft.com/office/powerpoint/2010/main" val="357183857"/>
       </p:ext>
     </p:extLst>
   </p:cSld>
@@ -4073,7 +5845,7 @@
             <a:endParaRPr lang="en-US" altLang="ko-KR" dirty="0"/>
           </a:p>
           <a:p>
-            <a:pPr>
+            <a:pPr lvl="1">
               <a:lnSpc>
                 <a:spcPct val="150000"/>
               </a:lnSpc>
@@ -4119,6 +5891,13 @@
   <p:clrMapOvr>
     <a:masterClrMapping/>
   </p:clrMapOvr>
+  <p:timing>
+    <p:tnLst>
+      <p:par>
+        <p:cTn id="1" dur="indefinite" restart="never" nodeType="tmRoot"/>
+      </p:par>
+    </p:tnLst>
+  </p:timing>
 </p:sld>
 </file>
 
@@ -4227,14 +6006,26 @@
               <a:t>→ </a:t>
             </a:r>
             <a:r>
-              <a:rPr lang="ko-KR" altLang="en-US" sz="2400" dirty="0" err="1"/>
+              <a:rPr lang="ko-KR" altLang="en-US" sz="2400" u="sng" dirty="0" err="1">
+                <a:solidFill>
+                  <a:srgbClr val="FF0000"/>
+                </a:solidFill>
+              </a:rPr>
               <a:t>매트릭서버를</a:t>
             </a:r>
             <a:r>
-              <a:rPr lang="ko-KR" altLang="en-US" sz="2400" dirty="0"/>
+              <a:rPr lang="ko-KR" altLang="en-US" sz="2400" u="sng" dirty="0">
+                <a:solidFill>
+                  <a:srgbClr val="FF0000"/>
+                </a:solidFill>
+              </a:rPr>
               <a:t> 참고하여 자동으로 스케일 조정함</a:t>
             </a:r>
-            <a:endParaRPr lang="en-US" altLang="ko-KR" sz="2400" dirty="0"/>
+            <a:endParaRPr lang="en-US" altLang="ko-KR" sz="2400" u="sng" dirty="0">
+              <a:solidFill>
+                <a:srgbClr val="FF0000"/>
+              </a:solidFill>
+            </a:endParaRPr>
           </a:p>
           <a:p>
             <a:pPr>
@@ -4253,10 +6044,11 @@
             <a:endParaRPr lang="en-US" altLang="ko-KR" sz="2000" dirty="0"/>
           </a:p>
           <a:p>
-            <a:pPr lvl="1">
+            <a:pPr marL="457200" lvl="1" indent="0">
               <a:lnSpc>
                 <a:spcPct val="150000"/>
               </a:lnSpc>
+              <a:buNone/>
             </a:pPr>
             <a:r>
               <a:rPr lang="en-US" altLang="ko-KR" sz="2000" dirty="0"/>
@@ -4271,10 +6063,11 @@
             <a:endParaRPr lang="en-US" altLang="ko-KR" sz="2000" dirty="0"/>
           </a:p>
           <a:p>
-            <a:pPr lvl="1">
+            <a:pPr marL="457200" lvl="1" indent="0">
               <a:lnSpc>
                 <a:spcPct val="150000"/>
               </a:lnSpc>
+              <a:buNone/>
             </a:pPr>
             <a:r>
               <a:rPr lang="en-US" altLang="ko-KR" sz="2000" dirty="0"/>
@@ -4282,10 +6075,11 @@
             </a:r>
           </a:p>
           <a:p>
-            <a:pPr lvl="1">
+            <a:pPr marL="457200" lvl="1" indent="0">
               <a:lnSpc>
                 <a:spcPct val="150000"/>
               </a:lnSpc>
+              <a:buNone/>
             </a:pPr>
             <a:r>
               <a:rPr lang="en-US" altLang="ko-KR" sz="2000" dirty="0"/>
@@ -4293,10 +6087,11 @@
             </a:r>
           </a:p>
           <a:p>
-            <a:pPr lvl="1">
+            <a:pPr marL="457200" lvl="1" indent="0">
               <a:lnSpc>
                 <a:spcPct val="150000"/>
               </a:lnSpc>
+              <a:buNone/>
             </a:pPr>
             <a:r>
               <a:rPr lang="en-US" altLang="ko-KR" sz="2000" dirty="0"/>
@@ -4308,9 +6103,13 @@
             </a:r>
             <a:r>
               <a:rPr lang="en-US" altLang="ko-KR" sz="2000" dirty="0"/>
-              <a:t> metrics-server/metrics-server</a:t>
-            </a:r>
-            <a:endParaRPr lang="en-US" altLang="ko-KR" dirty="0"/>
+              <a:t> </a:t>
+            </a:r>
+            <a:r>
+              <a:rPr lang="en-US" altLang="ko-KR" sz="2000" dirty="0" smtClean="0"/>
+              <a:t>metrics-server-3.12.2.tgz</a:t>
+            </a:r>
+            <a:endParaRPr lang="en-US" altLang="ko-KR" sz="2000" dirty="0" smtClean="0"/>
           </a:p>
         </p:txBody>
       </p:sp>
@@ -4324,6 +6123,1333 @@
   <p:clrMapOvr>
     <a:masterClrMapping/>
   </p:clrMapOvr>
+  <p:timing>
+    <p:tnLst>
+      <p:par>
+        <p:cTn id="1" dur="indefinite" restart="never" nodeType="tmRoot"/>
+      </p:par>
+    </p:tnLst>
+  </p:timing>
+</p:sld>
+</file>
+
+<file path=ppt/slides/slide4.xml><?xml version="1.0" encoding="utf-8"?>
+<p:sld xmlns:a="http://schemas.openxmlformats.org/drawingml/2006/main" xmlns:r="http://schemas.openxmlformats.org/officeDocument/2006/relationships" xmlns:p="http://schemas.openxmlformats.org/presentationml/2006/main">
+  <p:cSld>
+    <p:spTree>
+      <p:nvGrpSpPr>
+        <p:cNvPr id="1" name=""/>
+        <p:cNvGrpSpPr/>
+        <p:nvPr/>
+      </p:nvGrpSpPr>
+      <p:grpSpPr>
+        <a:xfrm>
+          <a:off x="0" y="0"/>
+          <a:ext cx="0" cy="0"/>
+          <a:chOff x="0" y="0"/>
+          <a:chExt cx="0" cy="0"/>
+        </a:xfrm>
+      </p:grpSpPr>
+      <p:sp>
+        <p:nvSpPr>
+          <p:cNvPr id="2" name="Title 1"/>
+          <p:cNvSpPr>
+            <a:spLocks noGrp="1"/>
+          </p:cNvSpPr>
+          <p:nvPr>
+            <p:ph type="title"/>
+          </p:nvPr>
+        </p:nvSpPr>
+        <p:spPr/>
+        <p:txBody>
+          <a:bodyPr/>
+          <a:lstStyle/>
+          <a:p>
+            <a:r>
+              <a:rPr lang="en-US" altLang="ko-KR" dirty="0"/>
+              <a:t>1. </a:t>
+            </a:r>
+            <a:r>
+              <a:rPr lang="ko-KR" altLang="en-US" dirty="0" err="1"/>
+              <a:t>매트릭서버를</a:t>
+            </a:r>
+            <a:r>
+              <a:rPr lang="ko-KR" altLang="en-US" dirty="0"/>
+              <a:t> 통한 리소스 확인</a:t>
+            </a:r>
+          </a:p>
+        </p:txBody>
+      </p:sp>
+      <p:sp>
+        <p:nvSpPr>
+          <p:cNvPr id="3" name="Content Placeholder 2"/>
+          <p:cNvSpPr>
+            <a:spLocks noGrp="1"/>
+          </p:cNvSpPr>
+          <p:nvPr>
+            <p:ph idx="1"/>
+          </p:nvPr>
+        </p:nvSpPr>
+        <p:spPr/>
+        <p:txBody>
+          <a:bodyPr>
+            <a:normAutofit/>
+          </a:bodyPr>
+          <a:lstStyle/>
+          <a:p>
+            <a:pPr>
+              <a:lnSpc>
+                <a:spcPct val="150000"/>
+              </a:lnSpc>
+            </a:pPr>
+            <a:r>
+              <a:rPr lang="ko-KR" altLang="en-US" sz="2400" dirty="0" smtClean="0"/>
+              <a:t>매트릭서버 </a:t>
+            </a:r>
+            <a:r>
+              <a:rPr lang="en-US" altLang="ko-KR" sz="2400" dirty="0" smtClean="0"/>
+              <a:t>value </a:t>
+            </a:r>
+            <a:r>
+              <a:rPr lang="ko-KR" altLang="en-US" sz="2400" dirty="0" smtClean="0"/>
+              <a:t>변경하고 설치하기</a:t>
+            </a:r>
+            <a:endParaRPr lang="en-US" altLang="ko-KR" sz="2000" dirty="0"/>
+          </a:p>
+          <a:p>
+            <a:pPr lvl="1">
+              <a:lnSpc>
+                <a:spcPct val="150000"/>
+              </a:lnSpc>
+            </a:pPr>
+            <a:r>
+              <a:rPr lang="en-US" altLang="ko-KR" sz="2000" dirty="0" err="1" smtClean="0"/>
+              <a:t>Sudo</a:t>
+            </a:r>
+            <a:r>
+              <a:rPr lang="en-US" altLang="ko-KR" sz="2000" dirty="0" smtClean="0"/>
+              <a:t> </a:t>
+            </a:r>
+            <a:r>
+              <a:rPr lang="en-US" altLang="ko-KR" sz="2000" dirty="0" err="1" smtClean="0"/>
+              <a:t>nano</a:t>
+            </a:r>
+            <a:r>
+              <a:rPr lang="en-US" altLang="ko-KR" sz="2000" dirty="0" smtClean="0"/>
+              <a:t> </a:t>
+            </a:r>
+            <a:r>
+              <a:rPr lang="en-US" altLang="ko-KR" sz="2000" dirty="0" err="1" smtClean="0"/>
+              <a:t>value.yaml</a:t>
+            </a:r>
+            <a:r>
+              <a:rPr lang="en-US" altLang="ko-KR" sz="2000" dirty="0"/>
+              <a:t/>
+            </a:r>
+            <a:br>
+              <a:rPr lang="en-US" altLang="ko-KR" sz="2000" dirty="0"/>
+            </a:br>
+            <a:r>
+              <a:rPr lang="en-US" altLang="ko-KR" sz="2000" dirty="0" smtClean="0"/>
+              <a:t># </a:t>
+            </a:r>
+            <a:r>
+              <a:rPr lang="en-US" altLang="ko-KR" sz="2000" dirty="0" err="1" smtClean="0"/>
+              <a:t>ctrl+w</a:t>
+            </a:r>
+            <a:r>
+              <a:rPr lang="en-US" altLang="ko-KR" sz="2000" dirty="0" smtClean="0"/>
+              <a:t> </a:t>
+            </a:r>
+            <a:r>
+              <a:rPr lang="ko-KR" altLang="en-US" sz="2000" dirty="0" smtClean="0"/>
+              <a:t>후 </a:t>
+            </a:r>
+            <a:r>
+              <a:rPr lang="en-US" altLang="ko-KR" sz="2000" dirty="0" err="1" smtClean="0"/>
+              <a:t>defaultArgs</a:t>
+            </a:r>
+            <a:r>
+              <a:rPr lang="ko-KR" altLang="en-US" sz="2000" dirty="0" smtClean="0"/>
+              <a:t>입력 후 엔터</a:t>
+            </a:r>
+            <a:r>
+              <a:rPr lang="en-US" altLang="ko-KR" sz="2000" dirty="0" smtClean="0"/>
+              <a:t>, 5</a:t>
+            </a:r>
+            <a:r>
+              <a:rPr lang="ko-KR" altLang="en-US" sz="2000" dirty="0" smtClean="0"/>
+              <a:t>칸 아래에 다음 입력</a:t>
+            </a:r>
+            <a:endParaRPr lang="en-US" altLang="ko-KR" sz="2000" dirty="0"/>
+          </a:p>
+          <a:p>
+            <a:pPr lvl="1">
+              <a:lnSpc>
+                <a:spcPct val="150000"/>
+              </a:lnSpc>
+            </a:pPr>
+            <a:r>
+              <a:rPr lang="en-US" altLang="ko-KR" sz="2000" dirty="0" smtClean="0"/>
+              <a:t>  - </a:t>
+            </a:r>
+            <a:r>
+              <a:rPr lang="en-US" altLang="ko-KR" sz="2000" dirty="0"/>
+              <a:t>--</a:t>
+            </a:r>
+            <a:r>
+              <a:rPr lang="en-US" altLang="ko-KR" sz="2000" dirty="0" err="1"/>
+              <a:t>kubelet</a:t>
+            </a:r>
+            <a:r>
+              <a:rPr lang="en-US" altLang="ko-KR" sz="2000" dirty="0"/>
+              <a:t>-insecure-</a:t>
+            </a:r>
+            <a:r>
+              <a:rPr lang="en-US" altLang="ko-KR" sz="2000" dirty="0" err="1"/>
+              <a:t>tls</a:t>
+            </a:r>
+            <a:endParaRPr lang="en-US" altLang="ko-KR" sz="2000" dirty="0"/>
+          </a:p>
+          <a:p>
+            <a:pPr lvl="1">
+              <a:lnSpc>
+                <a:spcPct val="150000"/>
+              </a:lnSpc>
+            </a:pPr>
+            <a:r>
+              <a:rPr lang="en-US" altLang="ko-KR" sz="2000" dirty="0"/>
+              <a:t>  - --</a:t>
+            </a:r>
+            <a:r>
+              <a:rPr lang="en-US" altLang="ko-KR" sz="2000" dirty="0" err="1" smtClean="0"/>
+              <a:t>kubelet</a:t>
+            </a:r>
+            <a:r>
+              <a:rPr lang="en-US" altLang="ko-KR" sz="2000" dirty="0" smtClean="0"/>
+              <a:t>-</a:t>
+            </a:r>
+            <a:r>
+              <a:rPr lang="en-US" altLang="ko-KR" sz="2000" dirty="0" err="1" smtClean="0"/>
+              <a:t>prefered</a:t>
+            </a:r>
+            <a:r>
+              <a:rPr lang="en-US" altLang="ko-KR" sz="2000" dirty="0" smtClean="0"/>
+              <a:t>-address-types=</a:t>
+            </a:r>
+            <a:r>
+              <a:rPr lang="en-US" altLang="ko-KR" sz="2000" dirty="0" err="1" smtClean="0"/>
+              <a:t>InternalIP</a:t>
+            </a:r>
+            <a:r>
+              <a:rPr lang="en-US" altLang="ko-KR" sz="2000" dirty="0" smtClean="0"/>
+              <a:t/>
+            </a:r>
+            <a:br>
+              <a:rPr lang="en-US" altLang="ko-KR" sz="2000" dirty="0" smtClean="0"/>
+            </a:br>
+            <a:r>
+              <a:rPr lang="en-US" altLang="ko-KR" sz="2000" dirty="0" smtClean="0"/>
+              <a:t># </a:t>
+            </a:r>
+            <a:r>
+              <a:rPr lang="en-US" altLang="ko-KR" sz="2000" dirty="0" err="1" smtClean="0"/>
+              <a:t>ctrl+s</a:t>
+            </a:r>
+            <a:r>
+              <a:rPr lang="en-US" altLang="ko-KR" sz="2000" dirty="0" smtClean="0"/>
+              <a:t>, </a:t>
+            </a:r>
+            <a:r>
+              <a:rPr lang="en-US" altLang="ko-KR" sz="2000" dirty="0" err="1" smtClean="0"/>
+              <a:t>ctrl+x</a:t>
+            </a:r>
+            <a:endParaRPr lang="en-US" altLang="ko-KR" sz="2000" dirty="0" smtClean="0"/>
+          </a:p>
+          <a:p>
+            <a:pPr lvl="1">
+              <a:lnSpc>
+                <a:spcPct val="150000"/>
+              </a:lnSpc>
+            </a:pPr>
+            <a:r>
+              <a:rPr lang="en-US" altLang="ko-KR" sz="2000" dirty="0" err="1"/>
+              <a:t>kubectl</a:t>
+            </a:r>
+            <a:r>
+              <a:rPr lang="en-US" altLang="ko-KR" sz="2000" dirty="0"/>
+              <a:t> get all --namespace </a:t>
+            </a:r>
+            <a:r>
+              <a:rPr lang="en-US" altLang="ko-KR" sz="2000" dirty="0" err="1" smtClean="0"/>
+              <a:t>kube</a:t>
+            </a:r>
+            <a:r>
+              <a:rPr lang="en-US" altLang="ko-KR" sz="2000" dirty="0" smtClean="0"/>
+              <a:t>-system</a:t>
+            </a:r>
+          </a:p>
+          <a:p>
+            <a:pPr lvl="1">
+              <a:lnSpc>
+                <a:spcPct val="150000"/>
+              </a:lnSpc>
+            </a:pPr>
+            <a:r>
+              <a:rPr lang="en-US" altLang="ko-KR" sz="2000" dirty="0" smtClean="0"/>
+              <a:t>helm </a:t>
+            </a:r>
+            <a:r>
+              <a:rPr lang="en-US" altLang="ko-KR" sz="2000" dirty="0"/>
+              <a:t>install metrics-server metrics-server/metrics-server --namespace </a:t>
+            </a:r>
+            <a:r>
+              <a:rPr lang="en-US" altLang="ko-KR" sz="2000" dirty="0" err="1"/>
+              <a:t>kube</a:t>
+            </a:r>
+            <a:r>
+              <a:rPr lang="en-US" altLang="ko-KR" sz="2000" dirty="0"/>
+              <a:t>-system -f </a:t>
+            </a:r>
+            <a:r>
+              <a:rPr lang="en-US" altLang="ko-KR" sz="2000" dirty="0" err="1"/>
+              <a:t>values.yaml</a:t>
+            </a:r>
+            <a:endParaRPr lang="en-US" altLang="ko-KR" sz="2000" dirty="0"/>
+          </a:p>
+        </p:txBody>
+      </p:sp>
+    </p:spTree>
+    <p:extLst>
+      <p:ext uri="{BB962C8B-B14F-4D97-AF65-F5344CB8AC3E}">
+        <p14:creationId xmlns:p14="http://schemas.microsoft.com/office/powerpoint/2010/main" val="322256139"/>
+      </p:ext>
+    </p:extLst>
+  </p:cSld>
+  <p:clrMapOvr>
+    <a:masterClrMapping/>
+  </p:clrMapOvr>
+  <p:timing>
+    <p:tnLst>
+      <p:par>
+        <p:cTn id="1" dur="indefinite" restart="never" nodeType="tmRoot"/>
+      </p:par>
+    </p:tnLst>
+  </p:timing>
+</p:sld>
+</file>
+
+<file path=ppt/slides/slide5.xml><?xml version="1.0" encoding="utf-8"?>
+<p:sld xmlns:a="http://schemas.openxmlformats.org/drawingml/2006/main" xmlns:r="http://schemas.openxmlformats.org/officeDocument/2006/relationships" xmlns:p="http://schemas.openxmlformats.org/presentationml/2006/main">
+  <p:cSld>
+    <p:spTree>
+      <p:nvGrpSpPr>
+        <p:cNvPr id="1" name=""/>
+        <p:cNvGrpSpPr/>
+        <p:nvPr/>
+      </p:nvGrpSpPr>
+      <p:grpSpPr>
+        <a:xfrm>
+          <a:off x="0" y="0"/>
+          <a:ext cx="0" cy="0"/>
+          <a:chOff x="0" y="0"/>
+          <a:chExt cx="0" cy="0"/>
+        </a:xfrm>
+      </p:grpSpPr>
+      <p:sp>
+        <p:nvSpPr>
+          <p:cNvPr id="2" name="Title 1"/>
+          <p:cNvSpPr>
+            <a:spLocks noGrp="1"/>
+          </p:cNvSpPr>
+          <p:nvPr>
+            <p:ph type="title"/>
+          </p:nvPr>
+        </p:nvSpPr>
+        <p:spPr/>
+        <p:txBody>
+          <a:bodyPr/>
+          <a:lstStyle/>
+          <a:p>
+            <a:r>
+              <a:rPr lang="en-US" altLang="ko-KR" dirty="0" smtClean="0"/>
+              <a:t>2. </a:t>
+            </a:r>
+            <a:r>
+              <a:rPr lang="ko-KR" altLang="en-US" dirty="0" smtClean="0"/>
+              <a:t>프로메테우스를 통한 데이터수집</a:t>
+            </a:r>
+            <a:endParaRPr lang="ko-KR" altLang="en-US" dirty="0"/>
+          </a:p>
+        </p:txBody>
+      </p:sp>
+      <p:sp>
+        <p:nvSpPr>
+          <p:cNvPr id="3" name="Content Placeholder 2"/>
+          <p:cNvSpPr>
+            <a:spLocks noGrp="1"/>
+          </p:cNvSpPr>
+          <p:nvPr>
+            <p:ph idx="1"/>
+          </p:nvPr>
+        </p:nvSpPr>
+        <p:spPr/>
+        <p:txBody>
+          <a:bodyPr>
+            <a:normAutofit/>
+          </a:bodyPr>
+          <a:lstStyle/>
+          <a:p>
+            <a:r>
+              <a:rPr lang="ko-KR" altLang="en-US" dirty="0" smtClean="0"/>
+              <a:t>프로메테우스는 쿠버네티스 환경의 모니터링 표준에 해당하는 애플리케이션으로 오픈소스</a:t>
+            </a:r>
+            <a:endParaRPr lang="en-US" altLang="ko-KR" dirty="0" smtClean="0"/>
+          </a:p>
+          <a:p>
+            <a:r>
+              <a:rPr lang="ko-KR" altLang="en-US" dirty="0" smtClean="0"/>
+              <a:t>그라파나라는 시각화도구와 함께 사용하면 </a:t>
+            </a:r>
+            <a:r>
+              <a:rPr lang="ko-KR" altLang="en-US" dirty="0" smtClean="0"/>
+              <a:t>좋음</a:t>
+            </a:r>
+            <a:endParaRPr lang="en-US" altLang="ko-KR" dirty="0" smtClean="0"/>
+          </a:p>
+          <a:p>
+            <a:pPr lvl="1"/>
+            <a:r>
+              <a:rPr lang="en-US" altLang="ko-KR" dirty="0"/>
+              <a:t>helm repo add </a:t>
+            </a:r>
+            <a:r>
+              <a:rPr lang="en-US" altLang="ko-KR" dirty="0" err="1"/>
+              <a:t>prometheus</a:t>
+            </a:r>
+            <a:r>
+              <a:rPr lang="en-US" altLang="ko-KR" dirty="0"/>
+              <a:t>-community </a:t>
+            </a:r>
+            <a:r>
+              <a:rPr lang="en-US" altLang="ko-KR" dirty="0">
+                <a:hlinkClick r:id="rId2"/>
+              </a:rPr>
+              <a:t>https://prometheus-community.github.io/helm-charts</a:t>
+            </a:r>
+            <a:endParaRPr lang="en-US" altLang="ko-KR" dirty="0"/>
+          </a:p>
+          <a:p>
+            <a:pPr lvl="1"/>
+            <a:r>
+              <a:rPr lang="en-US" altLang="ko-KR" dirty="0"/>
+              <a:t>helm repo update</a:t>
+            </a:r>
+          </a:p>
+          <a:p>
+            <a:pPr lvl="1"/>
+            <a:r>
+              <a:rPr lang="en-US" altLang="ko-KR" dirty="0"/>
+              <a:t>helm search repo Prometheus</a:t>
+            </a:r>
+          </a:p>
+          <a:p>
+            <a:pPr lvl="1"/>
+            <a:r>
+              <a:rPr lang="en-US" altLang="ko-KR" dirty="0"/>
+              <a:t>helm pull </a:t>
+            </a:r>
+            <a:r>
+              <a:rPr lang="en-US" altLang="ko-KR" dirty="0" err="1"/>
+              <a:t>prometheus</a:t>
+            </a:r>
+            <a:r>
+              <a:rPr lang="en-US" altLang="ko-KR" dirty="0"/>
+              <a:t>-community/</a:t>
+            </a:r>
+            <a:r>
+              <a:rPr lang="en-US" altLang="ko-KR" dirty="0" err="1"/>
+              <a:t>kube</a:t>
+            </a:r>
+            <a:r>
+              <a:rPr lang="en-US" altLang="ko-KR" dirty="0"/>
+              <a:t>-</a:t>
+            </a:r>
+            <a:r>
+              <a:rPr lang="en-US" altLang="ko-KR" dirty="0" err="1"/>
+              <a:t>prometheus</a:t>
+            </a:r>
+            <a:r>
+              <a:rPr lang="en-US" altLang="ko-KR" dirty="0"/>
+              <a:t>-stack</a:t>
+            </a:r>
+          </a:p>
+          <a:p>
+            <a:pPr lvl="1"/>
+            <a:r>
+              <a:rPr lang="en-US" altLang="ko-KR" dirty="0"/>
+              <a:t>tar </a:t>
+            </a:r>
+            <a:r>
+              <a:rPr lang="en-US" altLang="ko-KR" dirty="0" err="1"/>
+              <a:t>xvfz</a:t>
+            </a:r>
+            <a:r>
+              <a:rPr lang="en-US" altLang="ko-KR" dirty="0"/>
+              <a:t> kube-prometheus-stack-66.3.0.tgz</a:t>
+            </a:r>
+          </a:p>
+          <a:p>
+            <a:endParaRPr lang="en-US" altLang="ko-KR" dirty="0" smtClean="0"/>
+          </a:p>
+        </p:txBody>
+      </p:sp>
+      <mc:AlternateContent xmlns:mc="http://schemas.openxmlformats.org/markup-compatibility/2006">
+        <mc:Choice xmlns:p14="http://schemas.microsoft.com/office/powerpoint/2010/main" Requires="p14">
+          <p:contentPart p14:bwMode="auto" r:id="rId3">
+            <p14:nvContentPartPr>
+              <p14:cNvPr id="8" name="Ink 7"/>
+              <p14:cNvContentPartPr/>
+              <p14:nvPr/>
+            </p14:nvContentPartPr>
+            <p14:xfrm>
+              <a:off x="3648895" y="1636576"/>
+              <a:ext cx="7579800" cy="124920"/>
+            </p14:xfrm>
+          </p:contentPart>
+        </mc:Choice>
+        <mc:Fallback>
+          <p:pic>
+            <p:nvPicPr>
+              <p:cNvPr id="8" name="Ink 7"/>
+              <p:cNvPicPr/>
+              <p:nvPr/>
+            </p:nvPicPr>
+            <p:blipFill>
+              <a:blip r:embed="rId4"/>
+              <a:stretch>
+                <a:fillRect/>
+              </a:stretch>
+            </p:blipFill>
+            <p:spPr>
+              <a:xfrm>
+                <a:off x="3633055" y="1554856"/>
+                <a:ext cx="7642800" cy="297000"/>
+              </a:xfrm>
+              <a:prstGeom prst="rect">
+                <a:avLst/>
+              </a:prstGeom>
+            </p:spPr>
+          </p:pic>
+        </mc:Fallback>
+      </mc:AlternateContent>
+      <mc:AlternateContent xmlns:mc="http://schemas.openxmlformats.org/markup-compatibility/2006">
+        <mc:Choice xmlns:p14="http://schemas.microsoft.com/office/powerpoint/2010/main" Requires="p14">
+          <p:contentPart p14:bwMode="auto" r:id="rId5">
+            <p14:nvContentPartPr>
+              <p14:cNvPr id="11" name="Ink 10"/>
+              <p14:cNvContentPartPr/>
+              <p14:nvPr/>
+            </p14:nvContentPartPr>
+            <p14:xfrm>
+              <a:off x="1184695" y="2032216"/>
+              <a:ext cx="2534400" cy="60480"/>
+            </p14:xfrm>
+          </p:contentPart>
+        </mc:Choice>
+        <mc:Fallback>
+          <p:pic>
+            <p:nvPicPr>
+              <p:cNvPr id="11" name="Ink 10"/>
+              <p:cNvPicPr/>
+              <p:nvPr/>
+            </p:nvPicPr>
+            <p:blipFill>
+              <a:blip r:embed="rId6"/>
+              <a:stretch>
+                <a:fillRect/>
+              </a:stretch>
+            </p:blipFill>
+            <p:spPr>
+              <a:xfrm>
+                <a:off x="1171375" y="1990096"/>
+                <a:ext cx="2584080" cy="168120"/>
+              </a:xfrm>
+              <a:prstGeom prst="rect">
+                <a:avLst/>
+              </a:prstGeom>
+            </p:spPr>
+          </p:pic>
+        </mc:Fallback>
+      </mc:AlternateContent>
+      <mc:AlternateContent xmlns:mc="http://schemas.openxmlformats.org/markup-compatibility/2006">
+        <mc:Choice xmlns:p14="http://schemas.microsoft.com/office/powerpoint/2010/main" Requires="p14">
+          <p:contentPart p14:bwMode="auto" r:id="rId7">
+            <p14:nvContentPartPr>
+              <p14:cNvPr id="12" name="Ink 11"/>
+              <p14:cNvContentPartPr/>
+              <p14:nvPr/>
+            </p14:nvContentPartPr>
+            <p14:xfrm>
+              <a:off x="1144735" y="2616856"/>
+              <a:ext cx="1322280" cy="33840"/>
+            </p14:xfrm>
+          </p:contentPart>
+        </mc:Choice>
+        <mc:Fallback>
+          <p:pic>
+            <p:nvPicPr>
+              <p:cNvPr id="12" name="Ink 11"/>
+              <p:cNvPicPr/>
+              <p:nvPr/>
+            </p:nvPicPr>
+            <p:blipFill>
+              <a:blip r:embed="rId8"/>
+              <a:stretch>
+                <a:fillRect/>
+              </a:stretch>
+            </p:blipFill>
+            <p:spPr>
+              <a:xfrm>
+                <a:off x="1131775" y="2579776"/>
+                <a:ext cx="1345680" cy="113400"/>
+              </a:xfrm>
+              <a:prstGeom prst="rect">
+                <a:avLst/>
+              </a:prstGeom>
+            </p:spPr>
+          </p:pic>
+        </mc:Fallback>
+      </mc:AlternateContent>
+    </p:spTree>
+    <p:extLst>
+      <p:ext uri="{BB962C8B-B14F-4D97-AF65-F5344CB8AC3E}">
+        <p14:creationId xmlns:p14="http://schemas.microsoft.com/office/powerpoint/2010/main" val="1238309501"/>
+      </p:ext>
+    </p:extLst>
+  </p:cSld>
+  <p:clrMapOvr>
+    <a:masterClrMapping/>
+  </p:clrMapOvr>
+  <p:timing>
+    <p:tnLst>
+      <p:par>
+        <p:cTn id="1" dur="indefinite" restart="never" nodeType="tmRoot"/>
+      </p:par>
+    </p:tnLst>
+  </p:timing>
+</p:sld>
+</file>
+
+<file path=ppt/slides/slide6.xml><?xml version="1.0" encoding="utf-8"?>
+<p:sld xmlns:a="http://schemas.openxmlformats.org/drawingml/2006/main" xmlns:r="http://schemas.openxmlformats.org/officeDocument/2006/relationships" xmlns:p="http://schemas.openxmlformats.org/presentationml/2006/main">
+  <p:cSld>
+    <p:spTree>
+      <p:nvGrpSpPr>
+        <p:cNvPr id="1" name=""/>
+        <p:cNvGrpSpPr/>
+        <p:nvPr/>
+      </p:nvGrpSpPr>
+      <p:grpSpPr>
+        <a:xfrm>
+          <a:off x="0" y="0"/>
+          <a:ext cx="0" cy="0"/>
+          <a:chOff x="0" y="0"/>
+          <a:chExt cx="0" cy="0"/>
+        </a:xfrm>
+      </p:grpSpPr>
+      <p:sp>
+        <p:nvSpPr>
+          <p:cNvPr id="2" name="Title 1"/>
+          <p:cNvSpPr>
+            <a:spLocks noGrp="1"/>
+          </p:cNvSpPr>
+          <p:nvPr>
+            <p:ph type="title"/>
+          </p:nvPr>
+        </p:nvSpPr>
+        <p:spPr/>
+        <p:txBody>
+          <a:bodyPr/>
+          <a:lstStyle/>
+          <a:p>
+            <a:r>
+              <a:rPr lang="en-US" altLang="ko-KR" dirty="0" smtClean="0"/>
+              <a:t>2. </a:t>
+            </a:r>
+            <a:r>
+              <a:rPr lang="ko-KR" altLang="en-US" dirty="0" smtClean="0"/>
+              <a:t>프로메테우스를 통한 데이터수집</a:t>
+            </a:r>
+            <a:endParaRPr lang="ko-KR" altLang="en-US" dirty="0"/>
+          </a:p>
+        </p:txBody>
+      </p:sp>
+      <p:sp>
+        <p:nvSpPr>
+          <p:cNvPr id="3" name="Content Placeholder 2"/>
+          <p:cNvSpPr>
+            <a:spLocks noGrp="1"/>
+          </p:cNvSpPr>
+          <p:nvPr>
+            <p:ph idx="1"/>
+          </p:nvPr>
+        </p:nvSpPr>
+        <p:spPr/>
+        <p:txBody>
+          <a:bodyPr>
+            <a:normAutofit/>
+          </a:bodyPr>
+          <a:lstStyle/>
+          <a:p>
+            <a:r>
+              <a:rPr lang="en-US" altLang="ko-KR" dirty="0" smtClean="0"/>
+              <a:t>my-</a:t>
+            </a:r>
+            <a:r>
+              <a:rPr lang="en-US" altLang="ko-KR" dirty="0" err="1" smtClean="0"/>
+              <a:t>value.yaml</a:t>
+            </a:r>
+            <a:r>
+              <a:rPr lang="ko-KR" altLang="en-US" dirty="0" smtClean="0"/>
+              <a:t>수정후 </a:t>
+            </a:r>
+            <a:r>
+              <a:rPr lang="ko-KR" altLang="en-US" dirty="0" smtClean="0"/>
+              <a:t>실행</a:t>
+            </a:r>
+            <a:endParaRPr lang="en-US" altLang="ko-KR" dirty="0" smtClean="0"/>
+          </a:p>
+          <a:p>
+            <a:pPr marL="0" indent="0">
+              <a:buNone/>
+            </a:pPr>
+            <a:endParaRPr lang="en-US" altLang="ko-KR" dirty="0" smtClean="0"/>
+          </a:p>
+          <a:p>
+            <a:pPr lvl="1"/>
+            <a:r>
+              <a:rPr lang="en-US" altLang="ko-KR" sz="2000" dirty="0" err="1"/>
+              <a:t>kubectl</a:t>
+            </a:r>
+            <a:r>
+              <a:rPr lang="en-US" altLang="ko-KR" sz="2000" dirty="0"/>
+              <a:t> create namespace </a:t>
+            </a:r>
+            <a:r>
+              <a:rPr lang="en-US" altLang="ko-KR" sz="2000" dirty="0" err="1"/>
+              <a:t>mymonitoring</a:t>
+            </a:r>
+            <a:endParaRPr lang="en-US" altLang="ko-KR" sz="2000" dirty="0"/>
+          </a:p>
+          <a:p>
+            <a:pPr lvl="1"/>
+            <a:r>
+              <a:rPr lang="en-US" altLang="ko-KR" sz="2000" dirty="0"/>
+              <a:t>helm install --namespace </a:t>
+            </a:r>
+            <a:r>
+              <a:rPr lang="en-US" altLang="ko-KR" sz="2000" dirty="0" err="1"/>
+              <a:t>mymonitoring</a:t>
+            </a:r>
+            <a:r>
+              <a:rPr lang="en-US" altLang="ko-KR" sz="2000" dirty="0"/>
+              <a:t> --generate-name </a:t>
+            </a:r>
+            <a:r>
+              <a:rPr lang="en-US" altLang="ko-KR" sz="2000" dirty="0" err="1"/>
+              <a:t>prometheus</a:t>
+            </a:r>
+            <a:r>
+              <a:rPr lang="en-US" altLang="ko-KR" sz="2000" dirty="0"/>
+              <a:t>-community/</a:t>
+            </a:r>
+            <a:r>
+              <a:rPr lang="en-US" altLang="ko-KR" sz="2000" dirty="0" err="1"/>
+              <a:t>kube</a:t>
+            </a:r>
+            <a:r>
+              <a:rPr lang="en-US" altLang="ko-KR" sz="2000" dirty="0"/>
+              <a:t>-</a:t>
+            </a:r>
+            <a:r>
+              <a:rPr lang="en-US" altLang="ko-KR" sz="2000" dirty="0" err="1"/>
+              <a:t>prometheus</a:t>
+            </a:r>
+            <a:r>
+              <a:rPr lang="en-US" altLang="ko-KR" sz="2000" dirty="0"/>
+              <a:t>-stack -f my-</a:t>
+            </a:r>
+            <a:r>
+              <a:rPr lang="en-US" altLang="ko-KR" sz="2000" dirty="0" err="1"/>
+              <a:t>values.yaml</a:t>
+            </a:r>
+            <a:endParaRPr lang="ko-KR" altLang="en-US" sz="2000" dirty="0"/>
+          </a:p>
+          <a:p>
+            <a:pPr lvl="1"/>
+            <a:r>
+              <a:rPr lang="en-US" altLang="ko-KR" sz="2000" dirty="0" err="1" smtClean="0"/>
+              <a:t>kubectl</a:t>
+            </a:r>
+            <a:r>
+              <a:rPr lang="en-US" altLang="ko-KR" sz="2000" dirty="0" smtClean="0"/>
+              <a:t> </a:t>
+            </a:r>
+            <a:r>
+              <a:rPr lang="en-US" altLang="ko-KR" sz="2000" dirty="0"/>
+              <a:t>port-forward --address 0.0.0.0 svc/</a:t>
+            </a:r>
+            <a:r>
+              <a:rPr lang="en-US" altLang="ko-KR" sz="2000" dirty="0" err="1"/>
+              <a:t>kube</a:t>
+            </a:r>
+            <a:r>
+              <a:rPr lang="en-US" altLang="ko-KR" sz="2000" dirty="0"/>
+              <a:t>-</a:t>
+            </a:r>
+            <a:r>
+              <a:rPr lang="en-US" altLang="ko-KR" sz="2000" dirty="0" err="1"/>
+              <a:t>prometheus</a:t>
+            </a:r>
+            <a:r>
+              <a:rPr lang="en-US" altLang="ko-KR" sz="2000" dirty="0"/>
+              <a:t>-stack-1732884077-</a:t>
+            </a:r>
+            <a:r>
+              <a:rPr lang="en-US" altLang="ko-KR" sz="2000" dirty="0" err="1"/>
+              <a:t>prometheus</a:t>
+            </a:r>
+            <a:r>
+              <a:rPr lang="en-US" altLang="ko-KR" sz="2000" dirty="0"/>
+              <a:t>-node-exporter 8080:9100 --namespace </a:t>
+            </a:r>
+            <a:r>
+              <a:rPr lang="en-US" altLang="ko-KR" sz="2000" dirty="0" err="1"/>
+              <a:t>mymonitoring</a:t>
+            </a:r>
+            <a:endParaRPr lang="ko-KR" altLang="en-US" sz="2000" dirty="0"/>
+          </a:p>
+        </p:txBody>
+      </p:sp>
+    </p:spTree>
+    <p:extLst>
+      <p:ext uri="{BB962C8B-B14F-4D97-AF65-F5344CB8AC3E}">
+        <p14:creationId xmlns:p14="http://schemas.microsoft.com/office/powerpoint/2010/main" val="617883104"/>
+      </p:ext>
+    </p:extLst>
+  </p:cSld>
+  <p:clrMapOvr>
+    <a:masterClrMapping/>
+  </p:clrMapOvr>
+  <p:timing>
+    <p:tnLst>
+      <p:par>
+        <p:cTn id="1" dur="indefinite" restart="never" nodeType="tmRoot"/>
+      </p:par>
+    </p:tnLst>
+  </p:timing>
+</p:sld>
+</file>
+
+<file path=ppt/slides/slide7.xml><?xml version="1.0" encoding="utf-8"?>
+<p:sld xmlns:a="http://schemas.openxmlformats.org/drawingml/2006/main" xmlns:r="http://schemas.openxmlformats.org/officeDocument/2006/relationships" xmlns:p="http://schemas.openxmlformats.org/presentationml/2006/main">
+  <p:cSld>
+    <p:spTree>
+      <p:nvGrpSpPr>
+        <p:cNvPr id="1" name=""/>
+        <p:cNvGrpSpPr/>
+        <p:nvPr/>
+      </p:nvGrpSpPr>
+      <p:grpSpPr>
+        <a:xfrm>
+          <a:off x="0" y="0"/>
+          <a:ext cx="0" cy="0"/>
+          <a:chOff x="0" y="0"/>
+          <a:chExt cx="0" cy="0"/>
+        </a:xfrm>
+      </p:grpSpPr>
+      <p:sp>
+        <p:nvSpPr>
+          <p:cNvPr id="2" name="Title 1"/>
+          <p:cNvSpPr>
+            <a:spLocks noGrp="1"/>
+          </p:cNvSpPr>
+          <p:nvPr>
+            <p:ph type="title"/>
+          </p:nvPr>
+        </p:nvSpPr>
+        <p:spPr/>
+        <p:txBody>
+          <a:bodyPr/>
+          <a:lstStyle/>
+          <a:p>
+            <a:r>
+              <a:rPr lang="en-US" altLang="ko-KR" dirty="0" smtClean="0"/>
+              <a:t>3. </a:t>
+            </a:r>
+            <a:r>
+              <a:rPr lang="ko-KR" altLang="en-US" dirty="0" smtClean="0"/>
+              <a:t>그라파나를 통한 시각화</a:t>
+            </a:r>
+            <a:endParaRPr lang="ko-KR" altLang="en-US" dirty="0"/>
+          </a:p>
+        </p:txBody>
+      </p:sp>
+      <p:sp>
+        <p:nvSpPr>
+          <p:cNvPr id="3" name="Content Placeholder 2"/>
+          <p:cNvSpPr>
+            <a:spLocks noGrp="1"/>
+          </p:cNvSpPr>
+          <p:nvPr>
+            <p:ph idx="1"/>
+          </p:nvPr>
+        </p:nvSpPr>
+        <p:spPr/>
+        <p:txBody>
+          <a:bodyPr/>
+          <a:lstStyle/>
+          <a:p>
+            <a:r>
+              <a:rPr lang="ko-KR" altLang="en-US" dirty="0" smtClean="0"/>
+              <a:t>그라파나에 접속</a:t>
+            </a:r>
+            <a:endParaRPr lang="ko-KR" altLang="en-US" dirty="0"/>
+          </a:p>
+        </p:txBody>
+      </p:sp>
+      <p:pic>
+        <p:nvPicPr>
+          <p:cNvPr id="14" name="Picture 13"/>
+          <p:cNvPicPr>
+            <a:picLocks noChangeAspect="1"/>
+          </p:cNvPicPr>
+          <p:nvPr/>
+        </p:nvPicPr>
+        <p:blipFill>
+          <a:blip r:embed="rId2"/>
+          <a:stretch>
+            <a:fillRect/>
+          </a:stretch>
+        </p:blipFill>
+        <p:spPr>
+          <a:xfrm>
+            <a:off x="1123526" y="2126621"/>
+            <a:ext cx="4483948" cy="4230357"/>
+          </a:xfrm>
+          <a:prstGeom prst="rect">
+            <a:avLst/>
+          </a:prstGeom>
+        </p:spPr>
+      </p:pic>
+      <p:pic>
+        <p:nvPicPr>
+          <p:cNvPr id="15" name="Picture 14"/>
+          <p:cNvPicPr>
+            <a:picLocks noChangeAspect="1"/>
+          </p:cNvPicPr>
+          <p:nvPr/>
+        </p:nvPicPr>
+        <p:blipFill>
+          <a:blip r:embed="rId3"/>
+          <a:stretch>
+            <a:fillRect/>
+          </a:stretch>
+        </p:blipFill>
+        <p:spPr>
+          <a:xfrm>
+            <a:off x="5794212" y="2126621"/>
+            <a:ext cx="5372850" cy="2857899"/>
+          </a:xfrm>
+          <a:prstGeom prst="rect">
+            <a:avLst/>
+          </a:prstGeom>
+        </p:spPr>
+      </p:pic>
+      <p:pic>
+        <p:nvPicPr>
+          <p:cNvPr id="16" name="Picture 15"/>
+          <p:cNvPicPr>
+            <a:picLocks noChangeAspect="1"/>
+          </p:cNvPicPr>
+          <p:nvPr/>
+        </p:nvPicPr>
+        <p:blipFill>
+          <a:blip r:embed="rId4"/>
+          <a:stretch>
+            <a:fillRect/>
+          </a:stretch>
+        </p:blipFill>
+        <p:spPr>
+          <a:xfrm>
+            <a:off x="7235667" y="2907789"/>
+            <a:ext cx="2267266" cy="3400900"/>
+          </a:xfrm>
+          <a:prstGeom prst="rect">
+            <a:avLst/>
+          </a:prstGeom>
+        </p:spPr>
+      </p:pic>
+    </p:spTree>
+    <p:extLst>
+      <p:ext uri="{BB962C8B-B14F-4D97-AF65-F5344CB8AC3E}">
+        <p14:creationId xmlns:p14="http://schemas.microsoft.com/office/powerpoint/2010/main" val="3650698642"/>
+      </p:ext>
+    </p:extLst>
+  </p:cSld>
+  <p:clrMapOvr>
+    <a:masterClrMapping/>
+  </p:clrMapOvr>
+  <p:timing>
+    <p:tnLst>
+      <p:par>
+        <p:cTn id="1" dur="indefinite" restart="never" nodeType="tmRoot"/>
+      </p:par>
+    </p:tnLst>
+  </p:timing>
+</p:sld>
+</file>
+
+<file path=ppt/slides/slide8.xml><?xml version="1.0" encoding="utf-8"?>
+<p:sld xmlns:a="http://schemas.openxmlformats.org/drawingml/2006/main" xmlns:r="http://schemas.openxmlformats.org/officeDocument/2006/relationships" xmlns:p="http://schemas.openxmlformats.org/presentationml/2006/main">
+  <p:cSld>
+    <p:spTree>
+      <p:nvGrpSpPr>
+        <p:cNvPr id="1" name=""/>
+        <p:cNvGrpSpPr/>
+        <p:nvPr/>
+      </p:nvGrpSpPr>
+      <p:grpSpPr>
+        <a:xfrm>
+          <a:off x="0" y="0"/>
+          <a:ext cx="0" cy="0"/>
+          <a:chOff x="0" y="0"/>
+          <a:chExt cx="0" cy="0"/>
+        </a:xfrm>
+      </p:grpSpPr>
+      <p:sp>
+        <p:nvSpPr>
+          <p:cNvPr id="2" name="Title 1"/>
+          <p:cNvSpPr>
+            <a:spLocks noGrp="1"/>
+          </p:cNvSpPr>
+          <p:nvPr>
+            <p:ph type="title"/>
+          </p:nvPr>
+        </p:nvSpPr>
+        <p:spPr/>
+        <p:txBody>
+          <a:bodyPr/>
+          <a:lstStyle/>
+          <a:p>
+            <a:r>
+              <a:rPr lang="en-US" altLang="ko-KR" dirty="0"/>
+              <a:t>3. </a:t>
+            </a:r>
+            <a:r>
+              <a:rPr lang="ko-KR" altLang="en-US" dirty="0"/>
+              <a:t>그라파나를 통한 시각화</a:t>
+            </a:r>
+          </a:p>
+        </p:txBody>
+      </p:sp>
+      <p:sp>
+        <p:nvSpPr>
+          <p:cNvPr id="3" name="Content Placeholder 2"/>
+          <p:cNvSpPr>
+            <a:spLocks noGrp="1"/>
+          </p:cNvSpPr>
+          <p:nvPr>
+            <p:ph idx="1"/>
+          </p:nvPr>
+        </p:nvSpPr>
+        <p:spPr/>
+        <p:txBody>
+          <a:bodyPr/>
+          <a:lstStyle/>
+          <a:p>
+            <a:r>
+              <a:rPr lang="en-US" altLang="ko-KR" dirty="0" err="1" smtClean="0"/>
+              <a:t>CoreDNS</a:t>
+            </a:r>
+            <a:r>
+              <a:rPr lang="ko-KR" altLang="en-US" dirty="0" smtClean="0"/>
+              <a:t>와 </a:t>
+            </a:r>
+            <a:r>
+              <a:rPr lang="en-US" altLang="ko-KR" dirty="0" smtClean="0"/>
+              <a:t>API Server</a:t>
+            </a:r>
+            <a:r>
+              <a:rPr lang="ko-KR" altLang="en-US" dirty="0" smtClean="0"/>
+              <a:t>의 상태를 확인</a:t>
+            </a:r>
+            <a:endParaRPr lang="ko-KR" altLang="en-US" dirty="0"/>
+          </a:p>
+        </p:txBody>
+      </p:sp>
+      <p:pic>
+        <p:nvPicPr>
+          <p:cNvPr id="4" name="Picture 3"/>
+          <p:cNvPicPr>
+            <a:picLocks noChangeAspect="1"/>
+          </p:cNvPicPr>
+          <p:nvPr/>
+        </p:nvPicPr>
+        <p:blipFill>
+          <a:blip r:embed="rId2"/>
+          <a:stretch>
+            <a:fillRect/>
+          </a:stretch>
+        </p:blipFill>
+        <p:spPr>
+          <a:xfrm>
+            <a:off x="867405" y="2231686"/>
+            <a:ext cx="7866390" cy="4030827"/>
+          </a:xfrm>
+          <a:prstGeom prst="rect">
+            <a:avLst/>
+          </a:prstGeom>
+        </p:spPr>
+      </p:pic>
+    </p:spTree>
+    <p:extLst>
+      <p:ext uri="{BB962C8B-B14F-4D97-AF65-F5344CB8AC3E}">
+        <p14:creationId xmlns:p14="http://schemas.microsoft.com/office/powerpoint/2010/main" val="1990053303"/>
+      </p:ext>
+    </p:extLst>
+  </p:cSld>
+  <p:clrMapOvr>
+    <a:masterClrMapping/>
+  </p:clrMapOvr>
+</p:sld>
+</file>
+
+<file path=ppt/slides/slide9.xml><?xml version="1.0" encoding="utf-8"?>
+<p:sld xmlns:a="http://schemas.openxmlformats.org/drawingml/2006/main" xmlns:r="http://schemas.openxmlformats.org/officeDocument/2006/relationships" xmlns:p="http://schemas.openxmlformats.org/presentationml/2006/main">
+  <p:cSld>
+    <p:spTree>
+      <p:nvGrpSpPr>
+        <p:cNvPr id="1" name=""/>
+        <p:cNvGrpSpPr/>
+        <p:nvPr/>
+      </p:nvGrpSpPr>
+      <p:grpSpPr>
+        <a:xfrm>
+          <a:off x="0" y="0"/>
+          <a:ext cx="0" cy="0"/>
+          <a:chOff x="0" y="0"/>
+          <a:chExt cx="0" cy="0"/>
+        </a:xfrm>
+      </p:grpSpPr>
+      <p:sp>
+        <p:nvSpPr>
+          <p:cNvPr id="2" name="Title 1"/>
+          <p:cNvSpPr>
+            <a:spLocks noGrp="1"/>
+          </p:cNvSpPr>
+          <p:nvPr>
+            <p:ph type="title"/>
+          </p:nvPr>
+        </p:nvSpPr>
+        <p:spPr/>
+        <p:txBody>
+          <a:bodyPr/>
+          <a:lstStyle/>
+          <a:p>
+            <a:r>
+              <a:rPr lang="en-US" altLang="ko-KR" dirty="0"/>
+              <a:t>3. </a:t>
+            </a:r>
+            <a:r>
+              <a:rPr lang="ko-KR" altLang="en-US" dirty="0"/>
+              <a:t>그라파나를 통한 </a:t>
+            </a:r>
+            <a:r>
+              <a:rPr lang="ko-KR" altLang="en-US" dirty="0" smtClean="0"/>
+              <a:t>시각화</a:t>
+            </a:r>
+            <a:endParaRPr lang="ko-KR" altLang="en-US" dirty="0"/>
+          </a:p>
+        </p:txBody>
+      </p:sp>
+      <p:sp>
+        <p:nvSpPr>
+          <p:cNvPr id="3" name="Content Placeholder 2"/>
+          <p:cNvSpPr>
+            <a:spLocks noGrp="1"/>
+          </p:cNvSpPr>
+          <p:nvPr>
+            <p:ph idx="1"/>
+          </p:nvPr>
+        </p:nvSpPr>
+        <p:spPr/>
+        <p:txBody>
+          <a:bodyPr/>
+          <a:lstStyle/>
+          <a:p>
+            <a:r>
+              <a:rPr lang="en-US" altLang="ko-KR" dirty="0" err="1"/>
+              <a:t>CoreDNS</a:t>
+            </a:r>
+            <a:r>
+              <a:rPr lang="ko-KR" altLang="en-US" dirty="0"/>
+              <a:t>와 </a:t>
+            </a:r>
+            <a:r>
+              <a:rPr lang="en-US" altLang="ko-KR" dirty="0"/>
+              <a:t>API Server</a:t>
+            </a:r>
+            <a:r>
+              <a:rPr lang="ko-KR" altLang="en-US" dirty="0"/>
+              <a:t>의 상태를 확인</a:t>
+            </a:r>
+          </a:p>
+          <a:p>
+            <a:endParaRPr lang="ko-KR" altLang="en-US" dirty="0"/>
+          </a:p>
+        </p:txBody>
+      </p:sp>
+      <p:pic>
+        <p:nvPicPr>
+          <p:cNvPr id="4" name="Picture 3"/>
+          <p:cNvPicPr>
+            <a:picLocks noChangeAspect="1"/>
+          </p:cNvPicPr>
+          <p:nvPr/>
+        </p:nvPicPr>
+        <p:blipFill>
+          <a:blip r:embed="rId2"/>
+          <a:stretch>
+            <a:fillRect/>
+          </a:stretch>
+        </p:blipFill>
+        <p:spPr>
+          <a:xfrm>
+            <a:off x="843991" y="3667922"/>
+            <a:ext cx="5266523" cy="2614653"/>
+          </a:xfrm>
+          <a:prstGeom prst="rect">
+            <a:avLst/>
+          </a:prstGeom>
+        </p:spPr>
+      </p:pic>
+      <p:sp>
+        <p:nvSpPr>
+          <p:cNvPr id="5" name="Rectangle 4"/>
+          <p:cNvSpPr/>
+          <p:nvPr/>
+        </p:nvSpPr>
+        <p:spPr>
+          <a:xfrm>
+            <a:off x="2036848" y="3276415"/>
+            <a:ext cx="2313903" cy="369332"/>
+          </a:xfrm>
+          <a:prstGeom prst="rect">
+            <a:avLst/>
+          </a:prstGeom>
+        </p:spPr>
+        <p:txBody>
+          <a:bodyPr wrap="none">
+            <a:spAutoFit/>
+          </a:bodyPr>
+          <a:lstStyle/>
+          <a:p>
+            <a:r>
+              <a:rPr lang="en-US" altLang="ko-KR" b="1" dirty="0" smtClean="0"/>
+              <a:t>[core DNS</a:t>
+            </a:r>
+            <a:r>
+              <a:rPr lang="ko-KR" altLang="en-US" b="1" dirty="0" smtClean="0"/>
+              <a:t>서버상태</a:t>
+            </a:r>
+            <a:r>
+              <a:rPr lang="en-US" altLang="ko-KR" b="1" dirty="0" smtClean="0"/>
+              <a:t>]</a:t>
+            </a:r>
+            <a:endParaRPr lang="ko-KR" altLang="en-US" b="1" dirty="0"/>
+          </a:p>
+        </p:txBody>
+      </p:sp>
+      <p:pic>
+        <p:nvPicPr>
+          <p:cNvPr id="6" name="Picture 5"/>
+          <p:cNvPicPr>
+            <a:picLocks noChangeAspect="1"/>
+          </p:cNvPicPr>
+          <p:nvPr/>
+        </p:nvPicPr>
+        <p:blipFill>
+          <a:blip r:embed="rId3"/>
+          <a:stretch>
+            <a:fillRect/>
+          </a:stretch>
+        </p:blipFill>
+        <p:spPr>
+          <a:xfrm>
+            <a:off x="6036206" y="3319887"/>
+            <a:ext cx="5391902" cy="2962688"/>
+          </a:xfrm>
+          <a:prstGeom prst="rect">
+            <a:avLst/>
+          </a:prstGeom>
+        </p:spPr>
+      </p:pic>
+      <p:sp>
+        <p:nvSpPr>
+          <p:cNvPr id="7" name="Rectangle 6"/>
+          <p:cNvSpPr/>
+          <p:nvPr/>
+        </p:nvSpPr>
+        <p:spPr>
+          <a:xfrm>
+            <a:off x="7690163" y="2928380"/>
+            <a:ext cx="1733167" cy="369332"/>
+          </a:xfrm>
+          <a:prstGeom prst="rect">
+            <a:avLst/>
+          </a:prstGeom>
+        </p:spPr>
+        <p:txBody>
+          <a:bodyPr wrap="none">
+            <a:spAutoFit/>
+          </a:bodyPr>
+          <a:lstStyle/>
+          <a:p>
+            <a:r>
+              <a:rPr lang="en-US" altLang="ko-KR" b="1" dirty="0" smtClean="0"/>
+              <a:t>[API </a:t>
+            </a:r>
+            <a:r>
+              <a:rPr lang="ko-KR" altLang="en-US" b="1" dirty="0" smtClean="0"/>
+              <a:t>서버상태</a:t>
+            </a:r>
+            <a:r>
+              <a:rPr lang="en-US" altLang="ko-KR" b="1" dirty="0" smtClean="0"/>
+              <a:t>]</a:t>
+            </a:r>
+            <a:endParaRPr lang="ko-KR" altLang="en-US" b="1" dirty="0"/>
+          </a:p>
+        </p:txBody>
+      </p:sp>
+    </p:spTree>
+    <p:extLst>
+      <p:ext uri="{BB962C8B-B14F-4D97-AF65-F5344CB8AC3E}">
+        <p14:creationId xmlns:p14="http://schemas.microsoft.com/office/powerpoint/2010/main" val="824793517"/>
+      </p:ext>
+    </p:extLst>
+  </p:cSld>
+  <p:clrMapOvr>
+    <a:masterClrMapping/>
+  </p:clrMapOvr>
+  <p:timing>
+    <p:tnLst>
+      <p:par>
+        <p:cTn id="1" dur="indefinite" restart="never" nodeType="tmRoot"/>
+      </p:par>
+    </p:tnLst>
+  </p:timing>
 </p:sld>
 </file>
 
